--- a/HTML,CSS_DAY1/강의 정리_(vsCode세팅_Git세팅).pptx
+++ b/HTML,CSS_DAY1/강의 정리_(vsCode세팅_Git세팅).pptx
@@ -15,6 +15,7 @@
     <p:sldId id="261" r:id="rId9"/>
     <p:sldId id="262" r:id="rId10"/>
     <p:sldId id="265" r:id="rId11"/>
+    <p:sldId id="270" r:id="rId12"/>
   </p:sldIdLst>
   <p:sldSz cx="12192000" cy="6858000"/>
   <p:notesSz cx="6858000" cy="9144000"/>
@@ -247,6 +248,7 @@
           <a:p>
             <a:fld id="{0424D9FA-B2E9-4CDB-B102-8EDA1B961C5C}" type="datetimeFigureOut">
               <a:rPr lang="ko-KR" altLang="en-US" smtClean="0"/>
+              <a:pPr/>
               <a:t>2022-05-26</a:t>
             </a:fld>
             <a:endParaRPr lang="ko-KR" altLang="en-US"/>
@@ -289,6 +291,7 @@
           <a:p>
             <a:fld id="{D3CE1937-51FA-4681-AE9B-F0BB10132EE4}" type="slidenum">
               <a:rPr lang="ko-KR" altLang="en-US" smtClean="0"/>
+              <a:pPr/>
               <a:t>‹#›</a:t>
             </a:fld>
             <a:endParaRPr lang="ko-KR" altLang="en-US"/>
@@ -298,7 +301,7 @@
     </p:spTree>
     <p:extLst>
       <p:ext uri="{BB962C8B-B14F-4D97-AF65-F5344CB8AC3E}">
-        <p14:creationId xmlns:p14="http://schemas.microsoft.com/office/powerpoint/2010/main" val="3218935970"/>
+        <p14:creationId xmlns:p14="http://schemas.microsoft.com/office/powerpoint/2010/main" xmlns="" val="3218935970"/>
       </p:ext>
     </p:extLst>
   </p:cSld>
@@ -417,6 +420,7 @@
           <a:p>
             <a:fld id="{0424D9FA-B2E9-4CDB-B102-8EDA1B961C5C}" type="datetimeFigureOut">
               <a:rPr lang="ko-KR" altLang="en-US" smtClean="0"/>
+              <a:pPr/>
               <a:t>2022-05-26</a:t>
             </a:fld>
             <a:endParaRPr lang="ko-KR" altLang="en-US"/>
@@ -459,6 +463,7 @@
           <a:p>
             <a:fld id="{D3CE1937-51FA-4681-AE9B-F0BB10132EE4}" type="slidenum">
               <a:rPr lang="ko-KR" altLang="en-US" smtClean="0"/>
+              <a:pPr/>
               <a:t>‹#›</a:t>
             </a:fld>
             <a:endParaRPr lang="ko-KR" altLang="en-US"/>
@@ -468,7 +473,7 @@
     </p:spTree>
     <p:extLst>
       <p:ext uri="{BB962C8B-B14F-4D97-AF65-F5344CB8AC3E}">
-        <p14:creationId xmlns:p14="http://schemas.microsoft.com/office/powerpoint/2010/main" val="3616204938"/>
+        <p14:creationId xmlns:p14="http://schemas.microsoft.com/office/powerpoint/2010/main" xmlns="" val="3616204938"/>
       </p:ext>
     </p:extLst>
   </p:cSld>
@@ -597,6 +602,7 @@
           <a:p>
             <a:fld id="{0424D9FA-B2E9-4CDB-B102-8EDA1B961C5C}" type="datetimeFigureOut">
               <a:rPr lang="ko-KR" altLang="en-US" smtClean="0"/>
+              <a:pPr/>
               <a:t>2022-05-26</a:t>
             </a:fld>
             <a:endParaRPr lang="ko-KR" altLang="en-US"/>
@@ -639,6 +645,7 @@
           <a:p>
             <a:fld id="{D3CE1937-51FA-4681-AE9B-F0BB10132EE4}" type="slidenum">
               <a:rPr lang="ko-KR" altLang="en-US" smtClean="0"/>
+              <a:pPr/>
               <a:t>‹#›</a:t>
             </a:fld>
             <a:endParaRPr lang="ko-KR" altLang="en-US"/>
@@ -648,7 +655,7 @@
     </p:spTree>
     <p:extLst>
       <p:ext uri="{BB962C8B-B14F-4D97-AF65-F5344CB8AC3E}">
-        <p14:creationId xmlns:p14="http://schemas.microsoft.com/office/powerpoint/2010/main" val="311589807"/>
+        <p14:creationId xmlns:p14="http://schemas.microsoft.com/office/powerpoint/2010/main" xmlns="" val="311589807"/>
       </p:ext>
     </p:extLst>
   </p:cSld>
@@ -767,6 +774,7 @@
           <a:p>
             <a:fld id="{0424D9FA-B2E9-4CDB-B102-8EDA1B961C5C}" type="datetimeFigureOut">
               <a:rPr lang="ko-KR" altLang="en-US" smtClean="0"/>
+              <a:pPr/>
               <a:t>2022-05-26</a:t>
             </a:fld>
             <a:endParaRPr lang="ko-KR" altLang="en-US"/>
@@ -809,6 +817,7 @@
           <a:p>
             <a:fld id="{D3CE1937-51FA-4681-AE9B-F0BB10132EE4}" type="slidenum">
               <a:rPr lang="ko-KR" altLang="en-US" smtClean="0"/>
+              <a:pPr/>
               <a:t>‹#›</a:t>
             </a:fld>
             <a:endParaRPr lang="ko-KR" altLang="en-US"/>
@@ -818,7 +827,7 @@
     </p:spTree>
     <p:extLst>
       <p:ext uri="{BB962C8B-B14F-4D97-AF65-F5344CB8AC3E}">
-        <p14:creationId xmlns:p14="http://schemas.microsoft.com/office/powerpoint/2010/main" val="1727763182"/>
+        <p14:creationId xmlns:p14="http://schemas.microsoft.com/office/powerpoint/2010/main" xmlns="" val="1727763182"/>
       </p:ext>
     </p:extLst>
   </p:cSld>
@@ -1013,6 +1022,7 @@
           <a:p>
             <a:fld id="{0424D9FA-B2E9-4CDB-B102-8EDA1B961C5C}" type="datetimeFigureOut">
               <a:rPr lang="ko-KR" altLang="en-US" smtClean="0"/>
+              <a:pPr/>
               <a:t>2022-05-26</a:t>
             </a:fld>
             <a:endParaRPr lang="ko-KR" altLang="en-US"/>
@@ -1055,6 +1065,7 @@
           <a:p>
             <a:fld id="{D3CE1937-51FA-4681-AE9B-F0BB10132EE4}" type="slidenum">
               <a:rPr lang="ko-KR" altLang="en-US" smtClean="0"/>
+              <a:pPr/>
               <a:t>‹#›</a:t>
             </a:fld>
             <a:endParaRPr lang="ko-KR" altLang="en-US"/>
@@ -1064,7 +1075,7 @@
     </p:spTree>
     <p:extLst>
       <p:ext uri="{BB962C8B-B14F-4D97-AF65-F5344CB8AC3E}">
-        <p14:creationId xmlns:p14="http://schemas.microsoft.com/office/powerpoint/2010/main" val="2488665035"/>
+        <p14:creationId xmlns:p14="http://schemas.microsoft.com/office/powerpoint/2010/main" xmlns="" val="2488665035"/>
       </p:ext>
     </p:extLst>
   </p:cSld>
@@ -1245,6 +1256,7 @@
           <a:p>
             <a:fld id="{0424D9FA-B2E9-4CDB-B102-8EDA1B961C5C}" type="datetimeFigureOut">
               <a:rPr lang="ko-KR" altLang="en-US" smtClean="0"/>
+              <a:pPr/>
               <a:t>2022-05-26</a:t>
             </a:fld>
             <a:endParaRPr lang="ko-KR" altLang="en-US"/>
@@ -1287,6 +1299,7 @@
           <a:p>
             <a:fld id="{D3CE1937-51FA-4681-AE9B-F0BB10132EE4}" type="slidenum">
               <a:rPr lang="ko-KR" altLang="en-US" smtClean="0"/>
+              <a:pPr/>
               <a:t>‹#›</a:t>
             </a:fld>
             <a:endParaRPr lang="ko-KR" altLang="en-US"/>
@@ -1296,7 +1309,7 @@
     </p:spTree>
     <p:extLst>
       <p:ext uri="{BB962C8B-B14F-4D97-AF65-F5344CB8AC3E}">
-        <p14:creationId xmlns:p14="http://schemas.microsoft.com/office/powerpoint/2010/main" val="637742954"/>
+        <p14:creationId xmlns:p14="http://schemas.microsoft.com/office/powerpoint/2010/main" xmlns="" val="637742954"/>
       </p:ext>
     </p:extLst>
   </p:cSld>
@@ -1612,6 +1625,7 @@
           <a:p>
             <a:fld id="{0424D9FA-B2E9-4CDB-B102-8EDA1B961C5C}" type="datetimeFigureOut">
               <a:rPr lang="ko-KR" altLang="en-US" smtClean="0"/>
+              <a:pPr/>
               <a:t>2022-05-26</a:t>
             </a:fld>
             <a:endParaRPr lang="ko-KR" altLang="en-US"/>
@@ -1654,6 +1668,7 @@
           <a:p>
             <a:fld id="{D3CE1937-51FA-4681-AE9B-F0BB10132EE4}" type="slidenum">
               <a:rPr lang="ko-KR" altLang="en-US" smtClean="0"/>
+              <a:pPr/>
               <a:t>‹#›</a:t>
             </a:fld>
             <a:endParaRPr lang="ko-KR" altLang="en-US"/>
@@ -1663,7 +1678,7 @@
     </p:spTree>
     <p:extLst>
       <p:ext uri="{BB962C8B-B14F-4D97-AF65-F5344CB8AC3E}">
-        <p14:creationId xmlns:p14="http://schemas.microsoft.com/office/powerpoint/2010/main" val="939006309"/>
+        <p14:creationId xmlns:p14="http://schemas.microsoft.com/office/powerpoint/2010/main" xmlns="" val="939006309"/>
       </p:ext>
     </p:extLst>
   </p:cSld>
@@ -1730,6 +1745,7 @@
           <a:p>
             <a:fld id="{0424D9FA-B2E9-4CDB-B102-8EDA1B961C5C}" type="datetimeFigureOut">
               <a:rPr lang="ko-KR" altLang="en-US" smtClean="0"/>
+              <a:pPr/>
               <a:t>2022-05-26</a:t>
             </a:fld>
             <a:endParaRPr lang="ko-KR" altLang="en-US"/>
@@ -1772,6 +1788,7 @@
           <a:p>
             <a:fld id="{D3CE1937-51FA-4681-AE9B-F0BB10132EE4}" type="slidenum">
               <a:rPr lang="ko-KR" altLang="en-US" smtClean="0"/>
+              <a:pPr/>
               <a:t>‹#›</a:t>
             </a:fld>
             <a:endParaRPr lang="ko-KR" altLang="en-US"/>
@@ -1781,7 +1798,7 @@
     </p:spTree>
     <p:extLst>
       <p:ext uri="{BB962C8B-B14F-4D97-AF65-F5344CB8AC3E}">
-        <p14:creationId xmlns:p14="http://schemas.microsoft.com/office/powerpoint/2010/main" val="203962157"/>
+        <p14:creationId xmlns:p14="http://schemas.microsoft.com/office/powerpoint/2010/main" xmlns="" val="203962157"/>
       </p:ext>
     </p:extLst>
   </p:cSld>
@@ -1825,6 +1842,7 @@
           <a:p>
             <a:fld id="{0424D9FA-B2E9-4CDB-B102-8EDA1B961C5C}" type="datetimeFigureOut">
               <a:rPr lang="ko-KR" altLang="en-US" smtClean="0"/>
+              <a:pPr/>
               <a:t>2022-05-26</a:t>
             </a:fld>
             <a:endParaRPr lang="ko-KR" altLang="en-US"/>
@@ -1867,6 +1885,7 @@
           <a:p>
             <a:fld id="{D3CE1937-51FA-4681-AE9B-F0BB10132EE4}" type="slidenum">
               <a:rPr lang="ko-KR" altLang="en-US" smtClean="0"/>
+              <a:pPr/>
               <a:t>‹#›</a:t>
             </a:fld>
             <a:endParaRPr lang="ko-KR" altLang="en-US"/>
@@ -1876,7 +1895,7 @@
     </p:spTree>
     <p:extLst>
       <p:ext uri="{BB962C8B-B14F-4D97-AF65-F5344CB8AC3E}">
-        <p14:creationId xmlns:p14="http://schemas.microsoft.com/office/powerpoint/2010/main" val="677689025"/>
+        <p14:creationId xmlns:p14="http://schemas.microsoft.com/office/powerpoint/2010/main" xmlns="" val="677689025"/>
       </p:ext>
     </p:extLst>
   </p:cSld>
@@ -2102,6 +2121,7 @@
           <a:p>
             <a:fld id="{0424D9FA-B2E9-4CDB-B102-8EDA1B961C5C}" type="datetimeFigureOut">
               <a:rPr lang="ko-KR" altLang="en-US" smtClean="0"/>
+              <a:pPr/>
               <a:t>2022-05-26</a:t>
             </a:fld>
             <a:endParaRPr lang="ko-KR" altLang="en-US"/>
@@ -2144,6 +2164,7 @@
           <a:p>
             <a:fld id="{D3CE1937-51FA-4681-AE9B-F0BB10132EE4}" type="slidenum">
               <a:rPr lang="ko-KR" altLang="en-US" smtClean="0"/>
+              <a:pPr/>
               <a:t>‹#›</a:t>
             </a:fld>
             <a:endParaRPr lang="ko-KR" altLang="en-US"/>
@@ -2153,7 +2174,7 @@
     </p:spTree>
     <p:extLst>
       <p:ext uri="{BB962C8B-B14F-4D97-AF65-F5344CB8AC3E}">
-        <p14:creationId xmlns:p14="http://schemas.microsoft.com/office/powerpoint/2010/main" val="2444098316"/>
+        <p14:creationId xmlns:p14="http://schemas.microsoft.com/office/powerpoint/2010/main" xmlns="" val="2444098316"/>
       </p:ext>
     </p:extLst>
   </p:cSld>
@@ -2355,6 +2376,7 @@
           <a:p>
             <a:fld id="{0424D9FA-B2E9-4CDB-B102-8EDA1B961C5C}" type="datetimeFigureOut">
               <a:rPr lang="ko-KR" altLang="en-US" smtClean="0"/>
+              <a:pPr/>
               <a:t>2022-05-26</a:t>
             </a:fld>
             <a:endParaRPr lang="ko-KR" altLang="en-US"/>
@@ -2397,6 +2419,7 @@
           <a:p>
             <a:fld id="{D3CE1937-51FA-4681-AE9B-F0BB10132EE4}" type="slidenum">
               <a:rPr lang="ko-KR" altLang="en-US" smtClean="0"/>
+              <a:pPr/>
               <a:t>‹#›</a:t>
             </a:fld>
             <a:endParaRPr lang="ko-KR" altLang="en-US"/>
@@ -2406,7 +2429,7 @@
     </p:spTree>
     <p:extLst>
       <p:ext uri="{BB962C8B-B14F-4D97-AF65-F5344CB8AC3E}">
-        <p14:creationId xmlns:p14="http://schemas.microsoft.com/office/powerpoint/2010/main" val="4234539468"/>
+        <p14:creationId xmlns:p14="http://schemas.microsoft.com/office/powerpoint/2010/main" xmlns="" val="4234539468"/>
       </p:ext>
     </p:extLst>
   </p:cSld>
@@ -2568,6 +2591,7 @@
           <a:p>
             <a:fld id="{0424D9FA-B2E9-4CDB-B102-8EDA1B961C5C}" type="datetimeFigureOut">
               <a:rPr lang="ko-KR" altLang="en-US" smtClean="0"/>
+              <a:pPr/>
               <a:t>2022-05-26</a:t>
             </a:fld>
             <a:endParaRPr lang="ko-KR" altLang="en-US"/>
@@ -2646,6 +2670,7 @@
           <a:p>
             <a:fld id="{D3CE1937-51FA-4681-AE9B-F0BB10132EE4}" type="slidenum">
               <a:rPr lang="ko-KR" altLang="en-US" smtClean="0"/>
+              <a:pPr/>
               <a:t>‹#›</a:t>
             </a:fld>
             <a:endParaRPr lang="ko-KR" altLang="en-US"/>
@@ -2655,7 +2680,7 @@
     </p:spTree>
     <p:extLst>
       <p:ext uri="{BB962C8B-B14F-4D97-AF65-F5344CB8AC3E}">
-        <p14:creationId xmlns:p14="http://schemas.microsoft.com/office/powerpoint/2010/main" val="612486213"/>
+        <p14:creationId xmlns:p14="http://schemas.microsoft.com/office/powerpoint/2010/main" xmlns="" val="612486213"/>
       </p:ext>
     </p:extLst>
   </p:cSld>
@@ -3004,7 +3029,7 @@
     </p:spTree>
     <p:extLst>
       <p:ext uri="{BB962C8B-B14F-4D97-AF65-F5344CB8AC3E}">
-        <p14:creationId xmlns:p14="http://schemas.microsoft.com/office/powerpoint/2010/main" val="3218656668"/>
+        <p14:creationId xmlns:p14="http://schemas.microsoft.com/office/powerpoint/2010/main" xmlns="" val="3218656668"/>
       </p:ext>
     </p:extLst>
   </p:cSld>
@@ -3134,15 +3159,23 @@
           <a:p>
             <a:pPr algn="ctr"/>
             <a:r>
-              <a:rPr lang="en-US" altLang="ko-KR" smtClean="0">
+              <a:rPr lang="en-US" altLang="ko-KR" dirty="0" err="1" smtClean="0">
                 <a:solidFill>
                   <a:sysClr val="windowText" lastClr="000000"/>
                 </a:solidFill>
               </a:rPr>
-              <a:t>Git </a:t>
-            </a:r>
-            <a:r>
-              <a:rPr lang="ko-KR" altLang="en-US" smtClean="0">
+              <a:t>Git</a:t>
+            </a:r>
+            <a:r>
+              <a:rPr lang="en-US" altLang="ko-KR" dirty="0" smtClean="0">
+                <a:solidFill>
+                  <a:sysClr val="windowText" lastClr="000000"/>
+                </a:solidFill>
+              </a:rPr>
+              <a:t> </a:t>
+            </a:r>
+            <a:r>
+              <a:rPr lang="ko-KR" altLang="en-US" dirty="0" smtClean="0">
                 <a:solidFill>
                   <a:sysClr val="windowText" lastClr="000000"/>
                 </a:solidFill>
@@ -3150,14 +3183,14 @@
               <a:t>자주 사용하는 명령어 </a:t>
             </a:r>
             <a:r>
-              <a:rPr lang="en-US" altLang="ko-KR" smtClean="0">
+              <a:rPr lang="en-US" altLang="ko-KR" dirty="0" smtClean="0">
                 <a:solidFill>
                   <a:sysClr val="windowText" lastClr="000000"/>
                 </a:solidFill>
               </a:rPr>
               <a:t>– commit, log, status</a:t>
             </a:r>
-            <a:endParaRPr lang="ko-KR" altLang="en-US">
+            <a:endParaRPr lang="ko-KR" altLang="en-US" dirty="0">
               <a:solidFill>
                 <a:sysClr val="windowText" lastClr="000000"/>
               </a:solidFill>
@@ -3327,7 +3360,7 @@
     </p:spTree>
     <p:extLst>
       <p:ext uri="{BB962C8B-B14F-4D97-AF65-F5344CB8AC3E}">
-        <p14:creationId xmlns:p14="http://schemas.microsoft.com/office/powerpoint/2010/main" val="1107291987"/>
+        <p14:creationId xmlns:p14="http://schemas.microsoft.com/office/powerpoint/2010/main" xmlns="" val="1107291987"/>
       </p:ext>
     </p:extLst>
   </p:cSld>
@@ -3341,6 +3374,565 @@
       </p:par>
     </p:tnLst>
   </p:timing>
+</p:sld>
+</file>
+
+<file path=ppt/slides/slide11.xml><?xml version="1.0" encoding="utf-8"?>
+<p:sld xmlns:a="http://schemas.openxmlformats.org/drawingml/2006/main" xmlns:r="http://schemas.openxmlformats.org/officeDocument/2006/relationships" xmlns:p="http://schemas.openxmlformats.org/presentationml/2006/main">
+  <p:cSld>
+    <p:spTree>
+      <p:nvGrpSpPr>
+        <p:cNvPr id="1" name=""/>
+        <p:cNvGrpSpPr/>
+        <p:nvPr/>
+      </p:nvGrpSpPr>
+      <p:grpSpPr>
+        <a:xfrm>
+          <a:off x="0" y="0"/>
+          <a:ext cx="0" cy="0"/>
+          <a:chOff x="0" y="0"/>
+          <a:chExt cx="0" cy="0"/>
+        </a:xfrm>
+      </p:grpSpPr>
+      <p:sp>
+        <p:nvSpPr>
+          <p:cNvPr id="4" name="TextBox 3"/>
+          <p:cNvSpPr txBox="1"/>
+          <p:nvPr/>
+        </p:nvSpPr>
+        <p:spPr>
+          <a:xfrm>
+            <a:off x="712380" y="574158"/>
+            <a:ext cx="10717620" cy="5216813"/>
+          </a:xfrm>
+          <a:prstGeom prst="rect">
+            <a:avLst/>
+          </a:prstGeom>
+          <a:noFill/>
+        </p:spPr>
+        <p:txBody>
+          <a:bodyPr wrap="square" rtlCol="0">
+            <a:spAutoFit/>
+          </a:bodyPr>
+          <a:lstStyle/>
+          <a:p>
+            <a:endParaRPr lang="en-US" altLang="ko-KR" dirty="0" smtClean="0"/>
+          </a:p>
+          <a:p>
+            <a:pPr>
+              <a:lnSpc>
+                <a:spcPct val="150000"/>
+              </a:lnSpc>
+              <a:buFont typeface="Arial" pitchFamily="34" charset="0"/>
+              <a:buChar char="•"/>
+            </a:pPr>
+            <a:r>
+              <a:rPr lang="en-US" altLang="ko-KR" dirty="0" smtClean="0"/>
+              <a:t> &lt;table&gt; - </a:t>
+            </a:r>
+            <a:r>
+              <a:rPr lang="ko-KR" altLang="en-US" dirty="0" smtClean="0"/>
+              <a:t>테이블 시작</a:t>
+            </a:r>
+            <a:endParaRPr lang="en-US" altLang="ko-KR" dirty="0" smtClean="0"/>
+          </a:p>
+          <a:p>
+            <a:pPr>
+              <a:lnSpc>
+                <a:spcPct val="150000"/>
+              </a:lnSpc>
+              <a:buFont typeface="Arial" pitchFamily="34" charset="0"/>
+              <a:buChar char="•"/>
+            </a:pPr>
+            <a:r>
+              <a:rPr lang="en-US" altLang="ko-KR" dirty="0" smtClean="0">
+                <a:solidFill>
+                  <a:srgbClr val="FF0000"/>
+                </a:solidFill>
+              </a:rPr>
+              <a:t> table&gt;</a:t>
+            </a:r>
+            <a:r>
+              <a:rPr lang="en-US" altLang="ko-KR" dirty="0" err="1" smtClean="0">
+                <a:solidFill>
+                  <a:srgbClr val="FF0000"/>
+                </a:solidFill>
+              </a:rPr>
+              <a:t>tr</a:t>
+            </a:r>
+            <a:r>
+              <a:rPr lang="en-US" altLang="ko-KR" dirty="0" smtClean="0">
+                <a:solidFill>
+                  <a:srgbClr val="FF0000"/>
+                </a:solidFill>
+              </a:rPr>
+              <a:t>*3&gt;td*2</a:t>
+            </a:r>
+            <a:r>
+              <a:rPr lang="en-US" altLang="ko-KR" dirty="0" smtClean="0"/>
+              <a:t> </a:t>
+            </a:r>
+            <a:r>
+              <a:rPr lang="ko-KR" altLang="en-US" dirty="0" smtClean="0"/>
+              <a:t>이렇게 작성하고 </a:t>
+            </a:r>
+            <a:r>
+              <a:rPr lang="ko-KR" altLang="en-US" dirty="0" err="1" smtClean="0"/>
+              <a:t>엔터를</a:t>
+            </a:r>
+            <a:r>
+              <a:rPr lang="ko-KR" altLang="en-US" dirty="0" smtClean="0"/>
+              <a:t> 치면</a:t>
+            </a:r>
+            <a:r>
+              <a:rPr lang="en-US" altLang="ko-KR" dirty="0" smtClean="0"/>
+              <a:t>, 3</a:t>
+            </a:r>
+            <a:r>
+              <a:rPr lang="ko-KR" altLang="en-US" dirty="0" smtClean="0"/>
+              <a:t>행 </a:t>
+            </a:r>
+            <a:r>
+              <a:rPr lang="en-US" altLang="ko-KR" dirty="0" smtClean="0"/>
+              <a:t>2</a:t>
+            </a:r>
+            <a:r>
+              <a:rPr lang="ko-KR" altLang="en-US" dirty="0" err="1" smtClean="0"/>
+              <a:t>열짜리</a:t>
+            </a:r>
+            <a:r>
+              <a:rPr lang="ko-KR" altLang="en-US" dirty="0" smtClean="0"/>
+              <a:t> 테이블이 자동 생성된다</a:t>
+            </a:r>
+            <a:r>
+              <a:rPr lang="en-US" altLang="ko-KR" dirty="0" smtClean="0"/>
+              <a:t>.</a:t>
+            </a:r>
+          </a:p>
+          <a:p>
+            <a:pPr>
+              <a:lnSpc>
+                <a:spcPct val="150000"/>
+              </a:lnSpc>
+              <a:buFont typeface="Arial" pitchFamily="34" charset="0"/>
+              <a:buChar char="•"/>
+            </a:pPr>
+            <a:r>
+              <a:rPr lang="en-US" altLang="ko-KR" dirty="0" smtClean="0"/>
+              <a:t> </a:t>
+            </a:r>
+            <a:r>
+              <a:rPr lang="en-US" altLang="ko-KR" dirty="0" err="1" smtClean="0"/>
+              <a:t>Rowspan</a:t>
+            </a:r>
+            <a:r>
+              <a:rPr lang="en-US" altLang="ko-KR" dirty="0" smtClean="0"/>
+              <a:t> = “</a:t>
+            </a:r>
+            <a:r>
+              <a:rPr lang="ko-KR" altLang="en-US" dirty="0" smtClean="0"/>
+              <a:t>숫자</a:t>
+            </a:r>
+            <a:r>
+              <a:rPr lang="en-US" altLang="ko-KR" dirty="0" smtClean="0"/>
+              <a:t>” </a:t>
+            </a:r>
+            <a:r>
+              <a:rPr lang="ko-KR" altLang="en-US" dirty="0" smtClean="0"/>
+              <a:t>숫자만큼 세로 셀을 합친다</a:t>
+            </a:r>
+            <a:r>
+              <a:rPr lang="en-US" altLang="ko-KR" dirty="0" smtClean="0"/>
+              <a:t>.</a:t>
+            </a:r>
+          </a:p>
+          <a:p>
+            <a:pPr>
+              <a:lnSpc>
+                <a:spcPct val="150000"/>
+              </a:lnSpc>
+              <a:buFont typeface="Arial" pitchFamily="34" charset="0"/>
+              <a:buChar char="•"/>
+            </a:pPr>
+            <a:r>
+              <a:rPr lang="en-US" altLang="ko-KR" dirty="0" smtClean="0"/>
+              <a:t> </a:t>
+            </a:r>
+            <a:r>
+              <a:rPr lang="en-US" altLang="ko-KR" dirty="0" err="1" smtClean="0"/>
+              <a:t>Colspan</a:t>
+            </a:r>
+            <a:r>
+              <a:rPr lang="en-US" altLang="ko-KR" dirty="0" smtClean="0"/>
+              <a:t> = “</a:t>
+            </a:r>
+            <a:r>
+              <a:rPr lang="ko-KR" altLang="en-US" dirty="0" smtClean="0"/>
+              <a:t>숫자</a:t>
+            </a:r>
+            <a:r>
+              <a:rPr lang="en-US" altLang="ko-KR" dirty="0" smtClean="0"/>
+              <a:t>” </a:t>
+            </a:r>
+            <a:r>
+              <a:rPr lang="ko-KR" altLang="en-US" dirty="0" smtClean="0"/>
+              <a:t>숫자만큼 가로 셀을 합친다</a:t>
+            </a:r>
+            <a:r>
+              <a:rPr lang="en-US" altLang="ko-KR" dirty="0" smtClean="0"/>
+              <a:t>.</a:t>
+            </a:r>
+            <a:r>
+              <a:rPr lang="ko-KR" altLang="en-US" dirty="0" smtClean="0"/>
+              <a:t> </a:t>
+            </a:r>
+            <a:endParaRPr lang="en-US" altLang="ko-KR" dirty="0" smtClean="0"/>
+          </a:p>
+          <a:p>
+            <a:pPr>
+              <a:lnSpc>
+                <a:spcPct val="150000"/>
+              </a:lnSpc>
+              <a:buFont typeface="Arial" pitchFamily="34" charset="0"/>
+              <a:buChar char="•"/>
+            </a:pPr>
+            <a:r>
+              <a:rPr lang="en-US" altLang="ko-KR" dirty="0" smtClean="0"/>
+              <a:t> </a:t>
+            </a:r>
+            <a:r>
+              <a:rPr lang="en-US" altLang="ko-KR" dirty="0" err="1" smtClean="0"/>
+              <a:t>Img</a:t>
+            </a:r>
+            <a:r>
+              <a:rPr lang="en-US" altLang="ko-KR" dirty="0" smtClean="0"/>
+              <a:t> </a:t>
+            </a:r>
+            <a:r>
+              <a:rPr lang="en-US" altLang="ko-KR" dirty="0" err="1" smtClean="0"/>
+              <a:t>src</a:t>
+            </a:r>
+            <a:r>
+              <a:rPr lang="en-US" altLang="ko-KR" dirty="0" smtClean="0"/>
+              <a:t>=“</a:t>
+            </a:r>
+            <a:r>
+              <a:rPr lang="ko-KR" altLang="en-US" dirty="0" smtClean="0"/>
+              <a:t>이미지 경로</a:t>
+            </a:r>
+            <a:r>
+              <a:rPr lang="en-US" altLang="ko-KR" dirty="0" smtClean="0"/>
+              <a:t> </a:t>
+            </a:r>
+            <a:r>
+              <a:rPr lang="ko-KR" altLang="en-US" dirty="0" smtClean="0"/>
+              <a:t>혹은 </a:t>
+            </a:r>
+            <a:r>
+              <a:rPr lang="en-US" altLang="ko-KR" dirty="0" err="1" smtClean="0"/>
+              <a:t>url</a:t>
+            </a:r>
+            <a:r>
+              <a:rPr lang="en-US" altLang="ko-KR" dirty="0" smtClean="0"/>
+              <a:t>” </a:t>
+            </a:r>
+            <a:r>
+              <a:rPr lang="ko-KR" altLang="en-US" dirty="0" smtClean="0"/>
+              <a:t>이미지 불러오기</a:t>
+            </a:r>
+            <a:r>
+              <a:rPr lang="en-US" altLang="ko-KR" dirty="0" smtClean="0"/>
+              <a:t>.</a:t>
+            </a:r>
+          </a:p>
+          <a:p>
+            <a:pPr>
+              <a:lnSpc>
+                <a:spcPct val="150000"/>
+              </a:lnSpc>
+              <a:buFont typeface="Arial" pitchFamily="34" charset="0"/>
+              <a:buChar char="•"/>
+            </a:pPr>
+            <a:r>
+              <a:rPr lang="en-US" altLang="ko-KR" dirty="0" smtClean="0"/>
+              <a:t> Select </a:t>
+            </a:r>
+            <a:r>
+              <a:rPr lang="ko-KR" altLang="en-US" dirty="0" smtClean="0"/>
+              <a:t>으로 선택하는 창을 만들 수 있다</a:t>
+            </a:r>
+            <a:r>
+              <a:rPr lang="en-US" altLang="ko-KR" dirty="0" smtClean="0"/>
+              <a:t>.</a:t>
+            </a:r>
+          </a:p>
+          <a:p>
+            <a:pPr>
+              <a:lnSpc>
+                <a:spcPct val="150000"/>
+              </a:lnSpc>
+              <a:buFont typeface="Arial" pitchFamily="34" charset="0"/>
+              <a:buChar char="•"/>
+            </a:pPr>
+            <a:r>
+              <a:rPr lang="en-US" altLang="ko-KR" dirty="0" smtClean="0"/>
+              <a:t> Input type = “text” </a:t>
+            </a:r>
+            <a:r>
+              <a:rPr lang="ko-KR" altLang="en-US" dirty="0" smtClean="0"/>
+              <a:t>로 문장을 입력 받을 수 있다</a:t>
+            </a:r>
+            <a:r>
+              <a:rPr lang="en-US" altLang="ko-KR" dirty="0" smtClean="0"/>
+              <a:t>.</a:t>
+            </a:r>
+          </a:p>
+          <a:p>
+            <a:pPr>
+              <a:lnSpc>
+                <a:spcPct val="150000"/>
+              </a:lnSpc>
+              <a:buFont typeface="Arial" pitchFamily="34" charset="0"/>
+              <a:buChar char="•"/>
+            </a:pPr>
+            <a:r>
+              <a:rPr lang="en-US" altLang="ko-KR" dirty="0" smtClean="0"/>
+              <a:t> Form </a:t>
+            </a:r>
+            <a:r>
+              <a:rPr lang="en-US" altLang="ko-KR" dirty="0" err="1" smtClean="0"/>
+              <a:t>form</a:t>
+            </a:r>
+            <a:r>
+              <a:rPr lang="ko-KR" altLang="en-US" dirty="0" smtClean="0"/>
+              <a:t>태그 안의 내용들을 </a:t>
+            </a:r>
+            <a:r>
+              <a:rPr lang="en-US" altLang="ko-KR" dirty="0" smtClean="0"/>
+              <a:t>action </a:t>
+            </a:r>
+            <a:r>
+              <a:rPr lang="ko-KR" altLang="en-US" dirty="0" smtClean="0"/>
+              <a:t>경로로 보낼 수 있다</a:t>
+            </a:r>
+            <a:r>
+              <a:rPr lang="en-US" altLang="ko-KR" dirty="0" smtClean="0"/>
+              <a:t>.(</a:t>
+            </a:r>
+            <a:r>
+              <a:rPr lang="ko-KR" altLang="en-US" dirty="0" smtClean="0"/>
+              <a:t>보내는 버튼은 </a:t>
+            </a:r>
+            <a:r>
+              <a:rPr lang="en-US" altLang="ko-KR" dirty="0" smtClean="0"/>
+              <a:t>input type=“submit”</a:t>
+            </a:r>
+            <a:r>
+              <a:rPr lang="ko-KR" altLang="en-US" dirty="0" smtClean="0"/>
+              <a:t>이다</a:t>
+            </a:r>
+            <a:r>
+              <a:rPr lang="en-US" altLang="ko-KR" dirty="0" smtClean="0"/>
+              <a:t>.</a:t>
+            </a:r>
+          </a:p>
+          <a:p>
+            <a:pPr>
+              <a:lnSpc>
+                <a:spcPct val="150000"/>
+              </a:lnSpc>
+              <a:buFont typeface="Arial" pitchFamily="34" charset="0"/>
+              <a:buChar char="•"/>
+            </a:pPr>
+            <a:r>
+              <a:rPr lang="en-US" altLang="ko-KR" dirty="0" smtClean="0"/>
+              <a:t> Input </a:t>
+            </a:r>
+            <a:r>
+              <a:rPr lang="ko-KR" altLang="en-US" dirty="0" smtClean="0"/>
+              <a:t>태그 안에 </a:t>
+            </a:r>
+            <a:r>
+              <a:rPr lang="en-US" altLang="ko-KR" dirty="0" smtClean="0"/>
+              <a:t>required</a:t>
+            </a:r>
+            <a:r>
+              <a:rPr lang="ko-KR" altLang="en-US" dirty="0" smtClean="0"/>
+              <a:t>를 작성하면 필수 작성이라는 의미이다</a:t>
+            </a:r>
+            <a:r>
+              <a:rPr lang="en-US" altLang="ko-KR" dirty="0" smtClean="0"/>
+              <a:t>.</a:t>
+            </a:r>
+          </a:p>
+          <a:p>
+            <a:pPr>
+              <a:lnSpc>
+                <a:spcPct val="150000"/>
+              </a:lnSpc>
+              <a:buFont typeface="Arial" pitchFamily="34" charset="0"/>
+              <a:buChar char="•"/>
+            </a:pPr>
+            <a:r>
+              <a:rPr lang="en-US" altLang="ko-KR" dirty="0" smtClean="0"/>
+              <a:t> &lt;a </a:t>
+            </a:r>
+            <a:r>
+              <a:rPr lang="en-US" altLang="ko-KR" dirty="0" err="1" smtClean="0"/>
+              <a:t>href</a:t>
+            </a:r>
+            <a:r>
+              <a:rPr lang="en-US" altLang="ko-KR" dirty="0" smtClean="0"/>
+              <a:t>=“</a:t>
+            </a:r>
+            <a:r>
+              <a:rPr lang="ko-KR" altLang="en-US" dirty="0" smtClean="0"/>
+              <a:t>사이트 주소</a:t>
+            </a:r>
+            <a:r>
+              <a:rPr lang="en-US" altLang="ko-KR" dirty="0" smtClean="0"/>
+              <a:t>”&gt; </a:t>
+            </a:r>
+            <a:r>
+              <a:rPr lang="ko-KR" altLang="en-US" dirty="0" smtClean="0"/>
+              <a:t>를 이용하여 클릭 시 해당 주소로 이동한다</a:t>
+            </a:r>
+            <a:r>
+              <a:rPr lang="en-US" altLang="ko-KR" dirty="0" smtClean="0"/>
+              <a:t>.</a:t>
+            </a:r>
+          </a:p>
+          <a:p>
+            <a:pPr>
+              <a:lnSpc>
+                <a:spcPct val="150000"/>
+              </a:lnSpc>
+              <a:buFont typeface="Arial" pitchFamily="34" charset="0"/>
+              <a:buChar char="•"/>
+            </a:pPr>
+            <a:r>
+              <a:rPr lang="en-US" altLang="ko-KR" dirty="0" smtClean="0"/>
+              <a:t> A</a:t>
+            </a:r>
+            <a:r>
+              <a:rPr lang="ko-KR" altLang="en-US" dirty="0" smtClean="0"/>
+              <a:t>태그 안에 </a:t>
+            </a:r>
+            <a:r>
+              <a:rPr lang="en-US" altLang="ko-KR" dirty="0" err="1" smtClean="0"/>
+              <a:t>traget</a:t>
+            </a:r>
+            <a:r>
+              <a:rPr lang="en-US" altLang="ko-KR" dirty="0" smtClean="0"/>
+              <a:t>=“_blank”</a:t>
+            </a:r>
+            <a:r>
+              <a:rPr lang="ko-KR" altLang="en-US" dirty="0" smtClean="0"/>
+              <a:t>를 작성 시 </a:t>
+            </a:r>
+            <a:r>
+              <a:rPr lang="en-US" altLang="ko-KR" dirty="0" smtClean="0"/>
+              <a:t>, </a:t>
+            </a:r>
+            <a:r>
+              <a:rPr lang="ko-KR" altLang="en-US" dirty="0" smtClean="0"/>
+              <a:t>눌렀을 때 </a:t>
+            </a:r>
+            <a:r>
+              <a:rPr lang="ko-KR" altLang="en-US" dirty="0" err="1" smtClean="0"/>
+              <a:t>새창을</a:t>
+            </a:r>
+            <a:r>
+              <a:rPr lang="ko-KR" altLang="en-US" dirty="0" smtClean="0"/>
+              <a:t> 띄운다</a:t>
+            </a:r>
+            <a:r>
+              <a:rPr lang="en-US" altLang="ko-KR" dirty="0" smtClean="0"/>
+              <a:t>.</a:t>
+            </a:r>
+            <a:endParaRPr lang="en-US" altLang="ko-KR" dirty="0" smtClean="0"/>
+          </a:p>
+          <a:p>
+            <a:endParaRPr lang="en-US" altLang="ko-KR" dirty="0" smtClean="0"/>
+          </a:p>
+        </p:txBody>
+      </p:sp>
+      <p:sp>
+        <p:nvSpPr>
+          <p:cNvPr id="5" name="모서리가 둥근 직사각형 4"/>
+          <p:cNvSpPr/>
+          <p:nvPr/>
+        </p:nvSpPr>
+        <p:spPr>
+          <a:xfrm>
+            <a:off x="0" y="0"/>
+            <a:ext cx="12192000" cy="483326"/>
+          </a:xfrm>
+          <a:prstGeom prst="roundRect">
+            <a:avLst/>
+          </a:prstGeom>
+          <a:solidFill>
+            <a:schemeClr val="accent3">
+              <a:lumMod val="20000"/>
+              <a:lumOff val="80000"/>
+            </a:schemeClr>
+          </a:solidFill>
+          <a:ln>
+            <a:solidFill>
+              <a:schemeClr val="bg1"/>
+            </a:solidFill>
+          </a:ln>
+        </p:spPr>
+        <p:style>
+          <a:lnRef idx="2">
+            <a:schemeClr val="accent1">
+              <a:shade val="50000"/>
+            </a:schemeClr>
+          </a:lnRef>
+          <a:fillRef idx="1">
+            <a:schemeClr val="accent1"/>
+          </a:fillRef>
+          <a:effectRef idx="0">
+            <a:schemeClr val="accent1"/>
+          </a:effectRef>
+          <a:fontRef idx="minor">
+            <a:schemeClr val="lt1"/>
+          </a:fontRef>
+        </p:style>
+        <p:txBody>
+          <a:bodyPr rtlCol="0" anchor="ctr"/>
+          <a:lstStyle/>
+          <a:p>
+            <a:pPr algn="ctr"/>
+            <a:r>
+              <a:rPr lang="en-US" altLang="ko-KR" sz="2000" b="1" dirty="0" smtClean="0">
+                <a:solidFill>
+                  <a:sysClr val="windowText" lastClr="000000"/>
+                </a:solidFill>
+              </a:rPr>
+              <a:t>TAG </a:t>
+            </a:r>
+            <a:r>
+              <a:rPr lang="ko-KR" altLang="en-US" sz="2000" b="1" dirty="0" smtClean="0">
+                <a:solidFill>
+                  <a:sysClr val="windowText" lastClr="000000"/>
+                </a:solidFill>
+              </a:rPr>
+              <a:t>정리</a:t>
+            </a:r>
+            <a:endParaRPr lang="ko-KR" altLang="en-US" sz="2000" b="1" dirty="0">
+              <a:solidFill>
+                <a:sysClr val="windowText" lastClr="000000"/>
+              </a:solidFill>
+            </a:endParaRPr>
+          </a:p>
+        </p:txBody>
+      </p:sp>
+    </p:spTree>
+  </p:cSld>
+  <p:clrMapOvr>
+    <a:masterClrMapping/>
+  </p:clrMapOvr>
 </p:sld>
 </file>
 
@@ -3370,7 +3962,7 @@
         <p:spPr>
           <a:xfrm>
             <a:off x="1594624" y="613317"/>
-            <a:ext cx="9422781" cy="5016758"/>
+            <a:ext cx="9422781" cy="5632311"/>
           </a:xfrm>
           <a:prstGeom prst="rect">
             <a:avLst/>
@@ -3390,14 +3982,14 @@
               <a:buAutoNum type="arabicPeriod"/>
             </a:pPr>
             <a:r>
-              <a:rPr lang="en-US" altLang="ko-KR" sz="2000" b="1" smtClean="0"/>
+              <a:rPr lang="en-US" altLang="ko-KR" sz="2000" b="1" dirty="0" smtClean="0"/>
               <a:t>VS CODE </a:t>
             </a:r>
             <a:r>
-              <a:rPr lang="ko-KR" altLang="en-US" sz="2000" b="1" smtClean="0"/>
+              <a:rPr lang="ko-KR" altLang="en-US" sz="2000" b="1" dirty="0" smtClean="0"/>
               <a:t>설치</a:t>
             </a:r>
-            <a:endParaRPr lang="en-US" altLang="ko-KR" sz="2000" b="1" smtClean="0"/>
+            <a:endParaRPr lang="en-US" altLang="ko-KR" sz="2000" b="1" dirty="0" smtClean="0"/>
           </a:p>
           <a:p>
             <a:pPr marL="342900" indent="-342900">
@@ -3407,22 +3999,30 @@
               <a:buAutoNum type="arabicPeriod"/>
             </a:pPr>
             <a:r>
-              <a:rPr lang="en-US" altLang="ko-KR" sz="2000" b="1" smtClean="0"/>
-              <a:t>VS CODE_One Dark Pro (</a:t>
-            </a:r>
-            <a:r>
-              <a:rPr lang="ko-KR" altLang="en-US" sz="2000" b="1" smtClean="0"/>
+              <a:rPr lang="en-US" altLang="ko-KR" sz="2000" b="1" dirty="0" smtClean="0"/>
+              <a:t>VS </a:t>
+            </a:r>
+            <a:r>
+              <a:rPr lang="en-US" altLang="ko-KR" sz="2000" b="1" dirty="0" err="1" smtClean="0"/>
+              <a:t>CODE_One</a:t>
+            </a:r>
+            <a:r>
+              <a:rPr lang="en-US" altLang="ko-KR" sz="2000" b="1" dirty="0" smtClean="0"/>
+              <a:t> Dark Pro (</a:t>
+            </a:r>
+            <a:r>
+              <a:rPr lang="ko-KR" altLang="en-US" sz="2000" b="1" dirty="0" smtClean="0"/>
               <a:t>테마</a:t>
             </a:r>
             <a:r>
-              <a:rPr lang="en-US" altLang="ko-KR" sz="2000" b="1" smtClean="0"/>
+              <a:rPr lang="en-US" altLang="ko-KR" sz="2000" b="1" dirty="0" smtClean="0"/>
               <a:t>) </a:t>
             </a:r>
             <a:r>
-              <a:rPr lang="ko-KR" altLang="en-US" sz="2000" b="1" smtClean="0"/>
+              <a:rPr lang="ko-KR" altLang="en-US" sz="2000" b="1" dirty="0" smtClean="0"/>
               <a:t>설치</a:t>
             </a:r>
-            <a:endParaRPr lang="en-US" altLang="ko-KR" sz="2000" b="1" smtClean="0"/>
+            <a:endParaRPr lang="en-US" altLang="ko-KR" sz="2000" b="1" dirty="0" smtClean="0"/>
           </a:p>
           <a:p>
             <a:pPr marL="342900" indent="-342900">
@@ -3432,18 +4032,22 @@
               <a:buAutoNum type="arabicPeriod"/>
             </a:pPr>
             <a:r>
-              <a:rPr lang="en-US" altLang="ko-KR" sz="2000" b="1" smtClean="0"/>
-              <a:t>VS CODE_</a:t>
-            </a:r>
-            <a:r>
-              <a:rPr lang="en-US" altLang="ko-KR" sz="2000" b="1" smtClean="0"/>
-              <a:t>Live Server </a:t>
-            </a:r>
-            <a:r>
-              <a:rPr lang="ko-KR" altLang="en-US" sz="2000" b="1" smtClean="0"/>
+              <a:rPr lang="en-US" altLang="ko-KR" sz="2000" b="1" dirty="0" smtClean="0"/>
+              <a:t>VS </a:t>
+            </a:r>
+            <a:r>
+              <a:rPr lang="en-US" altLang="ko-KR" sz="2000" b="1" dirty="0" err="1" smtClean="0"/>
+              <a:t>CODE_Live</a:t>
+            </a:r>
+            <a:r>
+              <a:rPr lang="en-US" altLang="ko-KR" sz="2000" b="1" dirty="0" smtClean="0"/>
+              <a:t> Server </a:t>
+            </a:r>
+            <a:r>
+              <a:rPr lang="ko-KR" altLang="en-US" sz="2000" b="1" dirty="0" smtClean="0"/>
               <a:t>설치</a:t>
             </a:r>
-            <a:endParaRPr lang="en-US" altLang="ko-KR" sz="2000" b="1" smtClean="0"/>
+            <a:endParaRPr lang="en-US" altLang="ko-KR" sz="2000" b="1" dirty="0" smtClean="0"/>
           </a:p>
           <a:p>
             <a:pPr marL="342900" indent="-342900">
@@ -3453,18 +4057,22 @@
               <a:buAutoNum type="arabicPeriod"/>
             </a:pPr>
             <a:r>
-              <a:rPr lang="en-US" altLang="ko-KR" sz="2000" b="1" smtClean="0"/>
-              <a:t>VS CODE_</a:t>
-            </a:r>
-            <a:r>
-              <a:rPr lang="en-US" altLang="ko-KR" sz="2000" b="1" smtClean="0"/>
-              <a:t>MySQL </a:t>
-            </a:r>
-            <a:r>
-              <a:rPr lang="ko-KR" altLang="en-US" sz="2000" b="1" smtClean="0"/>
+              <a:rPr lang="en-US" altLang="ko-KR" sz="2000" b="1" dirty="0" smtClean="0"/>
+              <a:t>VS </a:t>
+            </a:r>
+            <a:r>
+              <a:rPr lang="en-US" altLang="ko-KR" sz="2000" b="1" dirty="0" err="1" smtClean="0"/>
+              <a:t>CODE_MySQL</a:t>
+            </a:r>
+            <a:r>
+              <a:rPr lang="en-US" altLang="ko-KR" sz="2000" b="1" dirty="0" smtClean="0"/>
+              <a:t> </a:t>
+            </a:r>
+            <a:r>
+              <a:rPr lang="ko-KR" altLang="en-US" sz="2000" b="1" dirty="0" smtClean="0"/>
               <a:t>설치</a:t>
             </a:r>
-            <a:endParaRPr lang="en-US" altLang="ko-KR" sz="2000" b="1" smtClean="0"/>
+            <a:endParaRPr lang="en-US" altLang="ko-KR" sz="2000" b="1" dirty="0" smtClean="0"/>
           </a:p>
           <a:p>
             <a:pPr marL="342900" indent="-342900">
@@ -3474,14 +4082,22 @@
               <a:buAutoNum type="arabicPeriod"/>
             </a:pPr>
             <a:r>
-              <a:rPr lang="en-US" altLang="ko-KR" sz="2000" b="1" smtClean="0"/>
-              <a:t>VS CODE_Git History </a:t>
-            </a:r>
-            <a:r>
-              <a:rPr lang="ko-KR" altLang="en-US" sz="2000" b="1" smtClean="0"/>
+              <a:rPr lang="en-US" altLang="ko-KR" sz="2000" b="1" dirty="0" smtClean="0"/>
+              <a:t>VS </a:t>
+            </a:r>
+            <a:r>
+              <a:rPr lang="en-US" altLang="ko-KR" sz="2000" b="1" dirty="0" err="1" smtClean="0"/>
+              <a:t>CODE_Git</a:t>
+            </a:r>
+            <a:r>
+              <a:rPr lang="en-US" altLang="ko-KR" sz="2000" b="1" dirty="0" smtClean="0"/>
+              <a:t> History </a:t>
+            </a:r>
+            <a:r>
+              <a:rPr lang="ko-KR" altLang="en-US" sz="2000" b="1" dirty="0" smtClean="0"/>
               <a:t>설치</a:t>
             </a:r>
-            <a:endParaRPr lang="en-US" altLang="ko-KR" sz="2000" b="1" smtClean="0"/>
+            <a:endParaRPr lang="en-US" altLang="ko-KR" sz="2000" b="1" dirty="0" smtClean="0"/>
           </a:p>
           <a:p>
             <a:pPr marL="342900" indent="-342900">
@@ -3491,14 +4107,18 @@
               <a:buAutoNum type="arabicPeriod"/>
             </a:pPr>
             <a:r>
-              <a:rPr lang="en-US" altLang="ko-KR" sz="2000" b="1" smtClean="0"/>
-              <a:t>Git </a:t>
-            </a:r>
-            <a:r>
-              <a:rPr lang="ko-KR" altLang="en-US" sz="2000" b="1" smtClean="0"/>
+              <a:rPr lang="en-US" altLang="ko-KR" sz="2000" b="1" dirty="0" err="1" smtClean="0"/>
+              <a:t>Git</a:t>
+            </a:r>
+            <a:r>
+              <a:rPr lang="en-US" altLang="ko-KR" sz="2000" b="1" dirty="0" smtClean="0"/>
+              <a:t> </a:t>
+            </a:r>
+            <a:r>
+              <a:rPr lang="ko-KR" altLang="en-US" sz="2000" b="1" dirty="0" smtClean="0"/>
               <a:t>터미널 에러 및 해결</a:t>
             </a:r>
-            <a:endParaRPr lang="en-US" altLang="ko-KR" sz="2000" b="1" smtClean="0"/>
+            <a:endParaRPr lang="en-US" altLang="ko-KR" sz="2000" b="1" dirty="0" smtClean="0"/>
           </a:p>
           <a:p>
             <a:pPr marL="342900" indent="-342900">
@@ -3508,14 +4128,22 @@
               <a:buAutoNum type="arabicPeriod"/>
             </a:pPr>
             <a:r>
-              <a:rPr lang="en-US" altLang="ko-KR" sz="2000" b="1" smtClean="0"/>
-              <a:t>Git </a:t>
-            </a:r>
-            <a:r>
-              <a:rPr lang="ko-KR" altLang="en-US" sz="2000" b="1" smtClean="0"/>
-              <a:t>초기 설정 명령어 및 자주 사용하는 명령어</a:t>
-            </a:r>
-            <a:endParaRPr lang="en-US" altLang="ko-KR" sz="2000" b="1" smtClean="0"/>
+              <a:rPr lang="en-US" altLang="ko-KR" sz="2000" b="1" dirty="0" err="1" smtClean="0"/>
+              <a:t>Git</a:t>
+            </a:r>
+            <a:r>
+              <a:rPr lang="en-US" altLang="ko-KR" sz="2000" b="1" dirty="0" smtClean="0"/>
+              <a:t> </a:t>
+            </a:r>
+            <a:r>
+              <a:rPr lang="ko-KR" altLang="en-US" sz="2000" b="1" dirty="0" smtClean="0"/>
+              <a:t>초기 설정 명령어 및 자주 사용하는 </a:t>
+            </a:r>
+            <a:r>
+              <a:rPr lang="ko-KR" altLang="en-US" sz="2000" b="1" dirty="0" smtClean="0"/>
+              <a:t>명령어</a:t>
+            </a:r>
+            <a:endParaRPr lang="en-US" altLang="ko-KR" sz="2000" b="1" dirty="0" smtClean="0"/>
           </a:p>
           <a:p>
             <a:pPr marL="342900" indent="-342900">
@@ -3524,14 +4152,31 @@
               </a:lnSpc>
               <a:buAutoNum type="arabicPeriod"/>
             </a:pPr>
-            <a:endParaRPr lang="ko-KR" altLang="en-US" sz="2000" b="1"/>
+            <a:r>
+              <a:rPr lang="en-US" altLang="ko-KR" sz="2000" b="1" dirty="0" smtClean="0"/>
+              <a:t>TAG </a:t>
+            </a:r>
+            <a:r>
+              <a:rPr lang="ko-KR" altLang="en-US" sz="2000" b="1" dirty="0" smtClean="0"/>
+              <a:t>정리</a:t>
+            </a:r>
+            <a:endParaRPr lang="en-US" altLang="ko-KR" sz="2000" b="1" dirty="0" smtClean="0"/>
+          </a:p>
+          <a:p>
+            <a:pPr marL="342900" indent="-342900">
+              <a:lnSpc>
+                <a:spcPct val="200000"/>
+              </a:lnSpc>
+              <a:buAutoNum type="arabicPeriod"/>
+            </a:pPr>
+            <a:endParaRPr lang="ko-KR" altLang="en-US" sz="2000" b="1" dirty="0"/>
           </a:p>
         </p:txBody>
       </p:sp>
     </p:spTree>
     <p:extLst>
       <p:ext uri="{BB962C8B-B14F-4D97-AF65-F5344CB8AC3E}">
-        <p14:creationId xmlns:p14="http://schemas.microsoft.com/office/powerpoint/2010/main" val="2821041393"/>
+        <p14:creationId xmlns:p14="http://schemas.microsoft.com/office/powerpoint/2010/main" xmlns="" val="2821041393"/>
       </p:ext>
     </p:extLst>
   </p:cSld>
@@ -3663,7 +4308,7 @@
     </p:spTree>
     <p:extLst>
       <p:ext uri="{BB962C8B-B14F-4D97-AF65-F5344CB8AC3E}">
-        <p14:creationId xmlns:p14="http://schemas.microsoft.com/office/powerpoint/2010/main" val="671338981"/>
+        <p14:creationId xmlns:p14="http://schemas.microsoft.com/office/powerpoint/2010/main" xmlns="" val="671338981"/>
       </p:ext>
     </p:extLst>
   </p:cSld>
@@ -3803,7 +4448,7 @@
     </p:spTree>
     <p:extLst>
       <p:ext uri="{BB962C8B-B14F-4D97-AF65-F5344CB8AC3E}">
-        <p14:creationId xmlns:p14="http://schemas.microsoft.com/office/powerpoint/2010/main" val="1917016563"/>
+        <p14:creationId xmlns:p14="http://schemas.microsoft.com/office/powerpoint/2010/main" xmlns="" val="1917016563"/>
       </p:ext>
     </p:extLst>
   </p:cSld>
@@ -3983,7 +4628,7 @@
     </p:spTree>
     <p:extLst>
       <p:ext uri="{BB962C8B-B14F-4D97-AF65-F5344CB8AC3E}">
-        <p14:creationId xmlns:p14="http://schemas.microsoft.com/office/powerpoint/2010/main" val="931503997"/>
+        <p14:creationId xmlns:p14="http://schemas.microsoft.com/office/powerpoint/2010/main" xmlns="" val="931503997"/>
       </p:ext>
     </p:extLst>
   </p:cSld>
@@ -4115,7 +4760,7 @@
     </p:spTree>
     <p:extLst>
       <p:ext uri="{BB962C8B-B14F-4D97-AF65-F5344CB8AC3E}">
-        <p14:creationId xmlns:p14="http://schemas.microsoft.com/office/powerpoint/2010/main" val="3196824181"/>
+        <p14:creationId xmlns:p14="http://schemas.microsoft.com/office/powerpoint/2010/main" xmlns="" val="3196824181"/>
       </p:ext>
     </p:extLst>
   </p:cSld>
@@ -4314,7 +4959,7 @@
     </p:spTree>
     <p:extLst>
       <p:ext uri="{BB962C8B-B14F-4D97-AF65-F5344CB8AC3E}">
-        <p14:creationId xmlns:p14="http://schemas.microsoft.com/office/powerpoint/2010/main" val="2172183285"/>
+        <p14:creationId xmlns:p14="http://schemas.microsoft.com/office/powerpoint/2010/main" xmlns="" val="2172183285"/>
       </p:ext>
     </p:extLst>
   </p:cSld>
@@ -4620,7 +5265,7 @@
     </p:spTree>
     <p:extLst>
       <p:ext uri="{BB962C8B-B14F-4D97-AF65-F5344CB8AC3E}">
-        <p14:creationId xmlns:p14="http://schemas.microsoft.com/office/powerpoint/2010/main" val="2371689806"/>
+        <p14:creationId xmlns:p14="http://schemas.microsoft.com/office/powerpoint/2010/main" xmlns="" val="2371689806"/>
       </p:ext>
     </p:extLst>
   </p:cSld>
@@ -4918,7 +5563,7 @@
     </p:spTree>
     <p:extLst>
       <p:ext uri="{BB962C8B-B14F-4D97-AF65-F5344CB8AC3E}">
-        <p14:creationId xmlns:p14="http://schemas.microsoft.com/office/powerpoint/2010/main" val="2941614742"/>
+        <p14:creationId xmlns:p14="http://schemas.microsoft.com/office/powerpoint/2010/main" xmlns="" val="2941614742"/>
       </p:ext>
     </p:extLst>
   </p:cSld>
@@ -4978,7 +5623,7 @@
     </a:clrScheme>
     <a:fontScheme name="Office">
       <a:majorFont>
-        <a:latin typeface="맑은 고딕" panose="020F0302020204030204"/>
+        <a:latin typeface="맑은 고딕"/>
         <a:ea typeface=""/>
         <a:cs typeface=""/>
         <a:font script="Jpan" typeface="ＭＳ Ｐゴシック"/>
@@ -5013,7 +5658,7 @@
         <a:font script="Geor" typeface="Sylfaen"/>
       </a:majorFont>
       <a:minorFont>
-        <a:latin typeface="맑은 고딕" panose="020F0502020204030204"/>
+        <a:latin typeface="맑은 고딕"/>
         <a:ea typeface=""/>
         <a:cs typeface=""/>
         <a:font script="Jpan" typeface="ＭＳ Ｐゴシック"/>
@@ -5190,7 +5835,7 @@
   <a:extraClrSchemeLst/>
   <a:extLst>
     <a:ext uri="{05A4C25C-085E-4340-85A3-A5531E510DB2}">
-      <thm15:themeFamily xmlns:thm15="http://schemas.microsoft.com/office/thememl/2012/main" name="Office Theme" id="{62F939B6-93AF-4DB8-9C6B-D6C7DFDC589F}" vid="{4A3C46E8-61CC-4603-A589-7422A47A8E4A}"/>
+      <thm15:themeFamily xmlns:thm15="http://schemas.microsoft.com/office/thememl/2012/main" xmlns="" name="Office Theme" id="{62F939B6-93AF-4DB8-9C6B-D6C7DFDC589F}" vid="{4A3C46E8-61CC-4603-A589-7422A47A8E4A}"/>
     </a:ext>
   </a:extLst>
 </a:theme>

--- a/HTML,CSS_DAY1/강의 정리_(vsCode세팅_Git세팅).pptx
+++ b/HTML,CSS_DAY1/강의 정리_(vsCode세팅_Git세팅).pptx
@@ -15,6 +15,11 @@
     <p:sldId id="261" r:id="rId9"/>
     <p:sldId id="262" r:id="rId10"/>
     <p:sldId id="265" r:id="rId11"/>
+    <p:sldId id="270" r:id="rId12"/>
+    <p:sldId id="271" r:id="rId13"/>
+    <p:sldId id="272" r:id="rId14"/>
+    <p:sldId id="273" r:id="rId15"/>
+    <p:sldId id="274" r:id="rId16"/>
   </p:sldIdLst>
   <p:sldSz cx="12192000" cy="6858000"/>
   <p:notesSz cx="6858000" cy="9144000"/>
@@ -113,6 +118,22 @@
       </a:defRPr>
     </a:lvl9pPr>
   </p:defaultTextStyle>
+  <p:extLst>
+    <p:ext uri="{EFAFB233-063F-42B5-8137-9DF3F51BA10A}">
+      <p15:sldGuideLst xmlns:p15="http://schemas.microsoft.com/office/powerpoint/2012/main">
+        <p15:guide id="1" orient="horz" pos="2160">
+          <p15:clr>
+            <a:srgbClr val="A4A3A4"/>
+          </p15:clr>
+        </p15:guide>
+        <p15:guide id="2" pos="3840">
+          <p15:clr>
+            <a:srgbClr val="A4A3A4"/>
+          </p15:clr>
+        </p15:guide>
+      </p15:sldGuideLst>
+    </p:ext>
+  </p:extLst>
 </p:presentation>
 </file>
 
@@ -247,7 +268,8 @@
           <a:p>
             <a:fld id="{0424D9FA-B2E9-4CDB-B102-8EDA1B961C5C}" type="datetimeFigureOut">
               <a:rPr lang="ko-KR" altLang="en-US" smtClean="0"/>
-              <a:t>2022-05-26</a:t>
+              <a:pPr/>
+              <a:t>2022-05-27</a:t>
             </a:fld>
             <a:endParaRPr lang="ko-KR" altLang="en-US"/>
           </a:p>
@@ -289,6 +311,7 @@
           <a:p>
             <a:fld id="{D3CE1937-51FA-4681-AE9B-F0BB10132EE4}" type="slidenum">
               <a:rPr lang="ko-KR" altLang="en-US" smtClean="0"/>
+              <a:pPr/>
               <a:t>‹#›</a:t>
             </a:fld>
             <a:endParaRPr lang="ko-KR" altLang="en-US"/>
@@ -417,7 +440,8 @@
           <a:p>
             <a:fld id="{0424D9FA-B2E9-4CDB-B102-8EDA1B961C5C}" type="datetimeFigureOut">
               <a:rPr lang="ko-KR" altLang="en-US" smtClean="0"/>
-              <a:t>2022-05-26</a:t>
+              <a:pPr/>
+              <a:t>2022-05-27</a:t>
             </a:fld>
             <a:endParaRPr lang="ko-KR" altLang="en-US"/>
           </a:p>
@@ -459,6 +483,7 @@
           <a:p>
             <a:fld id="{D3CE1937-51FA-4681-AE9B-F0BB10132EE4}" type="slidenum">
               <a:rPr lang="ko-KR" altLang="en-US" smtClean="0"/>
+              <a:pPr/>
               <a:t>‹#›</a:t>
             </a:fld>
             <a:endParaRPr lang="ko-KR" altLang="en-US"/>
@@ -597,7 +622,8 @@
           <a:p>
             <a:fld id="{0424D9FA-B2E9-4CDB-B102-8EDA1B961C5C}" type="datetimeFigureOut">
               <a:rPr lang="ko-KR" altLang="en-US" smtClean="0"/>
-              <a:t>2022-05-26</a:t>
+              <a:pPr/>
+              <a:t>2022-05-27</a:t>
             </a:fld>
             <a:endParaRPr lang="ko-KR" altLang="en-US"/>
           </a:p>
@@ -639,6 +665,7 @@
           <a:p>
             <a:fld id="{D3CE1937-51FA-4681-AE9B-F0BB10132EE4}" type="slidenum">
               <a:rPr lang="ko-KR" altLang="en-US" smtClean="0"/>
+              <a:pPr/>
               <a:t>‹#›</a:t>
             </a:fld>
             <a:endParaRPr lang="ko-KR" altLang="en-US"/>
@@ -767,7 +794,8 @@
           <a:p>
             <a:fld id="{0424D9FA-B2E9-4CDB-B102-8EDA1B961C5C}" type="datetimeFigureOut">
               <a:rPr lang="ko-KR" altLang="en-US" smtClean="0"/>
-              <a:t>2022-05-26</a:t>
+              <a:pPr/>
+              <a:t>2022-05-27</a:t>
             </a:fld>
             <a:endParaRPr lang="ko-KR" altLang="en-US"/>
           </a:p>
@@ -809,6 +837,7 @@
           <a:p>
             <a:fld id="{D3CE1937-51FA-4681-AE9B-F0BB10132EE4}" type="slidenum">
               <a:rPr lang="ko-KR" altLang="en-US" smtClean="0"/>
+              <a:pPr/>
               <a:t>‹#›</a:t>
             </a:fld>
             <a:endParaRPr lang="ko-KR" altLang="en-US"/>
@@ -1013,7 +1042,8 @@
           <a:p>
             <a:fld id="{0424D9FA-B2E9-4CDB-B102-8EDA1B961C5C}" type="datetimeFigureOut">
               <a:rPr lang="ko-KR" altLang="en-US" smtClean="0"/>
-              <a:t>2022-05-26</a:t>
+              <a:pPr/>
+              <a:t>2022-05-27</a:t>
             </a:fld>
             <a:endParaRPr lang="ko-KR" altLang="en-US"/>
           </a:p>
@@ -1055,6 +1085,7 @@
           <a:p>
             <a:fld id="{D3CE1937-51FA-4681-AE9B-F0BB10132EE4}" type="slidenum">
               <a:rPr lang="ko-KR" altLang="en-US" smtClean="0"/>
+              <a:pPr/>
               <a:t>‹#›</a:t>
             </a:fld>
             <a:endParaRPr lang="ko-KR" altLang="en-US"/>
@@ -1245,7 +1276,8 @@
           <a:p>
             <a:fld id="{0424D9FA-B2E9-4CDB-B102-8EDA1B961C5C}" type="datetimeFigureOut">
               <a:rPr lang="ko-KR" altLang="en-US" smtClean="0"/>
-              <a:t>2022-05-26</a:t>
+              <a:pPr/>
+              <a:t>2022-05-27</a:t>
             </a:fld>
             <a:endParaRPr lang="ko-KR" altLang="en-US"/>
           </a:p>
@@ -1287,6 +1319,7 @@
           <a:p>
             <a:fld id="{D3CE1937-51FA-4681-AE9B-F0BB10132EE4}" type="slidenum">
               <a:rPr lang="ko-KR" altLang="en-US" smtClean="0"/>
+              <a:pPr/>
               <a:t>‹#›</a:t>
             </a:fld>
             <a:endParaRPr lang="ko-KR" altLang="en-US"/>
@@ -1612,7 +1645,8 @@
           <a:p>
             <a:fld id="{0424D9FA-B2E9-4CDB-B102-8EDA1B961C5C}" type="datetimeFigureOut">
               <a:rPr lang="ko-KR" altLang="en-US" smtClean="0"/>
-              <a:t>2022-05-26</a:t>
+              <a:pPr/>
+              <a:t>2022-05-27</a:t>
             </a:fld>
             <a:endParaRPr lang="ko-KR" altLang="en-US"/>
           </a:p>
@@ -1654,6 +1688,7 @@
           <a:p>
             <a:fld id="{D3CE1937-51FA-4681-AE9B-F0BB10132EE4}" type="slidenum">
               <a:rPr lang="ko-KR" altLang="en-US" smtClean="0"/>
+              <a:pPr/>
               <a:t>‹#›</a:t>
             </a:fld>
             <a:endParaRPr lang="ko-KR" altLang="en-US"/>
@@ -1730,7 +1765,8 @@
           <a:p>
             <a:fld id="{0424D9FA-B2E9-4CDB-B102-8EDA1B961C5C}" type="datetimeFigureOut">
               <a:rPr lang="ko-KR" altLang="en-US" smtClean="0"/>
-              <a:t>2022-05-26</a:t>
+              <a:pPr/>
+              <a:t>2022-05-27</a:t>
             </a:fld>
             <a:endParaRPr lang="ko-KR" altLang="en-US"/>
           </a:p>
@@ -1772,6 +1808,7 @@
           <a:p>
             <a:fld id="{D3CE1937-51FA-4681-AE9B-F0BB10132EE4}" type="slidenum">
               <a:rPr lang="ko-KR" altLang="en-US" smtClean="0"/>
+              <a:pPr/>
               <a:t>‹#›</a:t>
             </a:fld>
             <a:endParaRPr lang="ko-KR" altLang="en-US"/>
@@ -1825,7 +1862,8 @@
           <a:p>
             <a:fld id="{0424D9FA-B2E9-4CDB-B102-8EDA1B961C5C}" type="datetimeFigureOut">
               <a:rPr lang="ko-KR" altLang="en-US" smtClean="0"/>
-              <a:t>2022-05-26</a:t>
+              <a:pPr/>
+              <a:t>2022-05-27</a:t>
             </a:fld>
             <a:endParaRPr lang="ko-KR" altLang="en-US"/>
           </a:p>
@@ -1867,6 +1905,7 @@
           <a:p>
             <a:fld id="{D3CE1937-51FA-4681-AE9B-F0BB10132EE4}" type="slidenum">
               <a:rPr lang="ko-KR" altLang="en-US" smtClean="0"/>
+              <a:pPr/>
               <a:t>‹#›</a:t>
             </a:fld>
             <a:endParaRPr lang="ko-KR" altLang="en-US"/>
@@ -2102,7 +2141,8 @@
           <a:p>
             <a:fld id="{0424D9FA-B2E9-4CDB-B102-8EDA1B961C5C}" type="datetimeFigureOut">
               <a:rPr lang="ko-KR" altLang="en-US" smtClean="0"/>
-              <a:t>2022-05-26</a:t>
+              <a:pPr/>
+              <a:t>2022-05-27</a:t>
             </a:fld>
             <a:endParaRPr lang="ko-KR" altLang="en-US"/>
           </a:p>
@@ -2144,6 +2184,7 @@
           <a:p>
             <a:fld id="{D3CE1937-51FA-4681-AE9B-F0BB10132EE4}" type="slidenum">
               <a:rPr lang="ko-KR" altLang="en-US" smtClean="0"/>
+              <a:pPr/>
               <a:t>‹#›</a:t>
             </a:fld>
             <a:endParaRPr lang="ko-KR" altLang="en-US"/>
@@ -2355,7 +2396,8 @@
           <a:p>
             <a:fld id="{0424D9FA-B2E9-4CDB-B102-8EDA1B961C5C}" type="datetimeFigureOut">
               <a:rPr lang="ko-KR" altLang="en-US" smtClean="0"/>
-              <a:t>2022-05-26</a:t>
+              <a:pPr/>
+              <a:t>2022-05-27</a:t>
             </a:fld>
             <a:endParaRPr lang="ko-KR" altLang="en-US"/>
           </a:p>
@@ -2397,6 +2439,7 @@
           <a:p>
             <a:fld id="{D3CE1937-51FA-4681-AE9B-F0BB10132EE4}" type="slidenum">
               <a:rPr lang="ko-KR" altLang="en-US" smtClean="0"/>
+              <a:pPr/>
               <a:t>‹#›</a:t>
             </a:fld>
             <a:endParaRPr lang="ko-KR" altLang="en-US"/>
@@ -2568,7 +2611,8 @@
           <a:p>
             <a:fld id="{0424D9FA-B2E9-4CDB-B102-8EDA1B961C5C}" type="datetimeFigureOut">
               <a:rPr lang="ko-KR" altLang="en-US" smtClean="0"/>
-              <a:t>2022-05-26</a:t>
+              <a:pPr/>
+              <a:t>2022-05-27</a:t>
             </a:fld>
             <a:endParaRPr lang="ko-KR" altLang="en-US"/>
           </a:p>
@@ -2646,6 +2690,7 @@
           <a:p>
             <a:fld id="{D3CE1937-51FA-4681-AE9B-F0BB10132EE4}" type="slidenum">
               <a:rPr lang="ko-KR" altLang="en-US" smtClean="0"/>
+              <a:pPr/>
               <a:t>‹#›</a:t>
             </a:fld>
             <a:endParaRPr lang="ko-KR" altLang="en-US"/>
@@ -3134,15 +3179,23 @@
           <a:p>
             <a:pPr algn="ctr"/>
             <a:r>
-              <a:rPr lang="en-US" altLang="ko-KR" smtClean="0">
+              <a:rPr lang="en-US" altLang="ko-KR" dirty="0" err="1" smtClean="0">
                 <a:solidFill>
                   <a:sysClr val="windowText" lastClr="000000"/>
                 </a:solidFill>
               </a:rPr>
-              <a:t>Git </a:t>
-            </a:r>
-            <a:r>
-              <a:rPr lang="ko-KR" altLang="en-US" smtClean="0">
+              <a:t>Git</a:t>
+            </a:r>
+            <a:r>
+              <a:rPr lang="en-US" altLang="ko-KR" dirty="0" smtClean="0">
+                <a:solidFill>
+                  <a:sysClr val="windowText" lastClr="000000"/>
+                </a:solidFill>
+              </a:rPr>
+              <a:t> </a:t>
+            </a:r>
+            <a:r>
+              <a:rPr lang="ko-KR" altLang="en-US" dirty="0" smtClean="0">
                 <a:solidFill>
                   <a:sysClr val="windowText" lastClr="000000"/>
                 </a:solidFill>
@@ -3150,14 +3203,14 @@
               <a:t>자주 사용하는 명령어 </a:t>
             </a:r>
             <a:r>
-              <a:rPr lang="en-US" altLang="ko-KR" smtClean="0">
+              <a:rPr lang="en-US" altLang="ko-KR" dirty="0" smtClean="0">
                 <a:solidFill>
                   <a:sysClr val="windowText" lastClr="000000"/>
                 </a:solidFill>
               </a:rPr>
               <a:t>– commit, log, status</a:t>
             </a:r>
-            <a:endParaRPr lang="ko-KR" altLang="en-US">
+            <a:endParaRPr lang="ko-KR" altLang="en-US" dirty="0">
               <a:solidFill>
                 <a:sysClr val="windowText" lastClr="000000"/>
               </a:solidFill>
@@ -3344,6 +3397,876 @@
 </p:sld>
 </file>
 
+<file path=ppt/slides/slide11.xml><?xml version="1.0" encoding="utf-8"?>
+<p:sld xmlns:a="http://schemas.openxmlformats.org/drawingml/2006/main" xmlns:r="http://schemas.openxmlformats.org/officeDocument/2006/relationships" xmlns:p="http://schemas.openxmlformats.org/presentationml/2006/main">
+  <p:cSld>
+    <p:spTree>
+      <p:nvGrpSpPr>
+        <p:cNvPr id="1" name=""/>
+        <p:cNvGrpSpPr/>
+        <p:nvPr/>
+      </p:nvGrpSpPr>
+      <p:grpSpPr>
+        <a:xfrm>
+          <a:off x="0" y="0"/>
+          <a:ext cx="0" cy="0"/>
+          <a:chOff x="0" y="0"/>
+          <a:chExt cx="0" cy="0"/>
+        </a:xfrm>
+      </p:grpSpPr>
+      <p:sp>
+        <p:nvSpPr>
+          <p:cNvPr id="4" name="TextBox 3"/>
+          <p:cNvSpPr txBox="1"/>
+          <p:nvPr/>
+        </p:nvSpPr>
+        <p:spPr>
+          <a:xfrm>
+            <a:off x="712380" y="574158"/>
+            <a:ext cx="10717620" cy="5216813"/>
+          </a:xfrm>
+          <a:prstGeom prst="rect">
+            <a:avLst/>
+          </a:prstGeom>
+          <a:noFill/>
+        </p:spPr>
+        <p:txBody>
+          <a:bodyPr wrap="square" rtlCol="0">
+            <a:spAutoFit/>
+          </a:bodyPr>
+          <a:lstStyle/>
+          <a:p>
+            <a:endParaRPr lang="en-US" altLang="ko-KR" dirty="0" smtClean="0"/>
+          </a:p>
+          <a:p>
+            <a:pPr>
+              <a:lnSpc>
+                <a:spcPct val="150000"/>
+              </a:lnSpc>
+              <a:buFont typeface="Arial" pitchFamily="34" charset="0"/>
+              <a:buChar char="•"/>
+            </a:pPr>
+            <a:r>
+              <a:rPr lang="en-US" altLang="ko-KR" dirty="0" smtClean="0"/>
+              <a:t> &lt;table&gt; - </a:t>
+            </a:r>
+            <a:r>
+              <a:rPr lang="ko-KR" altLang="en-US" dirty="0" smtClean="0"/>
+              <a:t>테이블 시작</a:t>
+            </a:r>
+            <a:endParaRPr lang="en-US" altLang="ko-KR" dirty="0" smtClean="0"/>
+          </a:p>
+          <a:p>
+            <a:pPr>
+              <a:lnSpc>
+                <a:spcPct val="150000"/>
+              </a:lnSpc>
+              <a:buFont typeface="Arial" pitchFamily="34" charset="0"/>
+              <a:buChar char="•"/>
+            </a:pPr>
+            <a:r>
+              <a:rPr lang="en-US" altLang="ko-KR" dirty="0" smtClean="0">
+                <a:solidFill>
+                  <a:srgbClr val="FF0000"/>
+                </a:solidFill>
+              </a:rPr>
+              <a:t> table&gt;</a:t>
+            </a:r>
+            <a:r>
+              <a:rPr lang="en-US" altLang="ko-KR" dirty="0" err="1" smtClean="0">
+                <a:solidFill>
+                  <a:srgbClr val="FF0000"/>
+                </a:solidFill>
+              </a:rPr>
+              <a:t>tr</a:t>
+            </a:r>
+            <a:r>
+              <a:rPr lang="en-US" altLang="ko-KR" dirty="0" smtClean="0">
+                <a:solidFill>
+                  <a:srgbClr val="FF0000"/>
+                </a:solidFill>
+              </a:rPr>
+              <a:t>*3&gt;td*2</a:t>
+            </a:r>
+            <a:r>
+              <a:rPr lang="en-US" altLang="ko-KR" dirty="0" smtClean="0"/>
+              <a:t> </a:t>
+            </a:r>
+            <a:r>
+              <a:rPr lang="ko-KR" altLang="en-US" dirty="0" smtClean="0"/>
+              <a:t>이렇게 작성하고 </a:t>
+            </a:r>
+            <a:r>
+              <a:rPr lang="ko-KR" altLang="en-US" dirty="0" err="1" smtClean="0"/>
+              <a:t>엔터를</a:t>
+            </a:r>
+            <a:r>
+              <a:rPr lang="ko-KR" altLang="en-US" dirty="0" smtClean="0"/>
+              <a:t> 치면</a:t>
+            </a:r>
+            <a:r>
+              <a:rPr lang="en-US" altLang="ko-KR" dirty="0" smtClean="0"/>
+              <a:t>, 3</a:t>
+            </a:r>
+            <a:r>
+              <a:rPr lang="ko-KR" altLang="en-US" dirty="0" smtClean="0"/>
+              <a:t>행 </a:t>
+            </a:r>
+            <a:r>
+              <a:rPr lang="en-US" altLang="ko-KR" dirty="0" smtClean="0"/>
+              <a:t>2</a:t>
+            </a:r>
+            <a:r>
+              <a:rPr lang="ko-KR" altLang="en-US" dirty="0" err="1" smtClean="0"/>
+              <a:t>열짜리</a:t>
+            </a:r>
+            <a:r>
+              <a:rPr lang="ko-KR" altLang="en-US" dirty="0" smtClean="0"/>
+              <a:t> 테이블이 자동 생성된다</a:t>
+            </a:r>
+            <a:r>
+              <a:rPr lang="en-US" altLang="ko-KR" dirty="0" smtClean="0"/>
+              <a:t>.</a:t>
+            </a:r>
+          </a:p>
+          <a:p>
+            <a:pPr>
+              <a:lnSpc>
+                <a:spcPct val="150000"/>
+              </a:lnSpc>
+              <a:buFont typeface="Arial" pitchFamily="34" charset="0"/>
+              <a:buChar char="•"/>
+            </a:pPr>
+            <a:r>
+              <a:rPr lang="en-US" altLang="ko-KR" dirty="0" smtClean="0"/>
+              <a:t> </a:t>
+            </a:r>
+            <a:r>
+              <a:rPr lang="en-US" altLang="ko-KR" dirty="0" err="1" smtClean="0"/>
+              <a:t>Rowspan</a:t>
+            </a:r>
+            <a:r>
+              <a:rPr lang="en-US" altLang="ko-KR" dirty="0" smtClean="0"/>
+              <a:t> = “</a:t>
+            </a:r>
+            <a:r>
+              <a:rPr lang="ko-KR" altLang="en-US" dirty="0" smtClean="0"/>
+              <a:t>숫자</a:t>
+            </a:r>
+            <a:r>
+              <a:rPr lang="en-US" altLang="ko-KR" dirty="0" smtClean="0"/>
+              <a:t>” </a:t>
+            </a:r>
+            <a:r>
+              <a:rPr lang="ko-KR" altLang="en-US" dirty="0" smtClean="0"/>
+              <a:t>숫자만큼 세로 셀을 합친다</a:t>
+            </a:r>
+            <a:r>
+              <a:rPr lang="en-US" altLang="ko-KR" dirty="0" smtClean="0"/>
+              <a:t>.</a:t>
+            </a:r>
+          </a:p>
+          <a:p>
+            <a:pPr>
+              <a:lnSpc>
+                <a:spcPct val="150000"/>
+              </a:lnSpc>
+              <a:buFont typeface="Arial" pitchFamily="34" charset="0"/>
+              <a:buChar char="•"/>
+            </a:pPr>
+            <a:r>
+              <a:rPr lang="en-US" altLang="ko-KR" dirty="0" smtClean="0"/>
+              <a:t> </a:t>
+            </a:r>
+            <a:r>
+              <a:rPr lang="en-US" altLang="ko-KR" dirty="0" err="1" smtClean="0"/>
+              <a:t>Colspan</a:t>
+            </a:r>
+            <a:r>
+              <a:rPr lang="en-US" altLang="ko-KR" dirty="0" smtClean="0"/>
+              <a:t> = “</a:t>
+            </a:r>
+            <a:r>
+              <a:rPr lang="ko-KR" altLang="en-US" dirty="0" smtClean="0"/>
+              <a:t>숫자</a:t>
+            </a:r>
+            <a:r>
+              <a:rPr lang="en-US" altLang="ko-KR" dirty="0" smtClean="0"/>
+              <a:t>” </a:t>
+            </a:r>
+            <a:r>
+              <a:rPr lang="ko-KR" altLang="en-US" dirty="0" smtClean="0"/>
+              <a:t>숫자만큼 가로 셀을 합친다</a:t>
+            </a:r>
+            <a:r>
+              <a:rPr lang="en-US" altLang="ko-KR" dirty="0" smtClean="0"/>
+              <a:t>.</a:t>
+            </a:r>
+            <a:r>
+              <a:rPr lang="ko-KR" altLang="en-US" dirty="0" smtClean="0"/>
+              <a:t> </a:t>
+            </a:r>
+            <a:endParaRPr lang="en-US" altLang="ko-KR" dirty="0" smtClean="0"/>
+          </a:p>
+          <a:p>
+            <a:pPr>
+              <a:lnSpc>
+                <a:spcPct val="150000"/>
+              </a:lnSpc>
+              <a:buFont typeface="Arial" pitchFamily="34" charset="0"/>
+              <a:buChar char="•"/>
+            </a:pPr>
+            <a:r>
+              <a:rPr lang="en-US" altLang="ko-KR" dirty="0" smtClean="0"/>
+              <a:t> </a:t>
+            </a:r>
+            <a:r>
+              <a:rPr lang="en-US" altLang="ko-KR" dirty="0" err="1" smtClean="0"/>
+              <a:t>Img</a:t>
+            </a:r>
+            <a:r>
+              <a:rPr lang="en-US" altLang="ko-KR" dirty="0" smtClean="0"/>
+              <a:t> </a:t>
+            </a:r>
+            <a:r>
+              <a:rPr lang="en-US" altLang="ko-KR" dirty="0" err="1" smtClean="0"/>
+              <a:t>src</a:t>
+            </a:r>
+            <a:r>
+              <a:rPr lang="en-US" altLang="ko-KR" dirty="0" smtClean="0"/>
+              <a:t>=“</a:t>
+            </a:r>
+            <a:r>
+              <a:rPr lang="ko-KR" altLang="en-US" dirty="0" smtClean="0"/>
+              <a:t>이미지 경로</a:t>
+            </a:r>
+            <a:r>
+              <a:rPr lang="en-US" altLang="ko-KR" dirty="0" smtClean="0"/>
+              <a:t> </a:t>
+            </a:r>
+            <a:r>
+              <a:rPr lang="ko-KR" altLang="en-US" dirty="0" smtClean="0"/>
+              <a:t>혹은 </a:t>
+            </a:r>
+            <a:r>
+              <a:rPr lang="en-US" altLang="ko-KR" dirty="0" err="1" smtClean="0"/>
+              <a:t>url</a:t>
+            </a:r>
+            <a:r>
+              <a:rPr lang="en-US" altLang="ko-KR" dirty="0" smtClean="0"/>
+              <a:t>” </a:t>
+            </a:r>
+            <a:r>
+              <a:rPr lang="ko-KR" altLang="en-US" dirty="0" smtClean="0"/>
+              <a:t>이미지 불러오기</a:t>
+            </a:r>
+            <a:r>
+              <a:rPr lang="en-US" altLang="ko-KR" dirty="0" smtClean="0"/>
+              <a:t>.</a:t>
+            </a:r>
+          </a:p>
+          <a:p>
+            <a:pPr>
+              <a:lnSpc>
+                <a:spcPct val="150000"/>
+              </a:lnSpc>
+              <a:buFont typeface="Arial" pitchFamily="34" charset="0"/>
+              <a:buChar char="•"/>
+            </a:pPr>
+            <a:r>
+              <a:rPr lang="en-US" altLang="ko-KR" dirty="0" smtClean="0"/>
+              <a:t> Select </a:t>
+            </a:r>
+            <a:r>
+              <a:rPr lang="ko-KR" altLang="en-US" dirty="0" smtClean="0"/>
+              <a:t>으로 선택하는 창을 만들 수 있다</a:t>
+            </a:r>
+            <a:r>
+              <a:rPr lang="en-US" altLang="ko-KR" dirty="0" smtClean="0"/>
+              <a:t>.</a:t>
+            </a:r>
+          </a:p>
+          <a:p>
+            <a:pPr>
+              <a:lnSpc>
+                <a:spcPct val="150000"/>
+              </a:lnSpc>
+              <a:buFont typeface="Arial" pitchFamily="34" charset="0"/>
+              <a:buChar char="•"/>
+            </a:pPr>
+            <a:r>
+              <a:rPr lang="en-US" altLang="ko-KR" dirty="0" smtClean="0"/>
+              <a:t> Input type = “text” </a:t>
+            </a:r>
+            <a:r>
+              <a:rPr lang="ko-KR" altLang="en-US" dirty="0" smtClean="0"/>
+              <a:t>로 문장을 입력 받을 수 있다</a:t>
+            </a:r>
+            <a:r>
+              <a:rPr lang="en-US" altLang="ko-KR" dirty="0" smtClean="0"/>
+              <a:t>.</a:t>
+            </a:r>
+          </a:p>
+          <a:p>
+            <a:pPr>
+              <a:lnSpc>
+                <a:spcPct val="150000"/>
+              </a:lnSpc>
+              <a:buFont typeface="Arial" pitchFamily="34" charset="0"/>
+              <a:buChar char="•"/>
+            </a:pPr>
+            <a:r>
+              <a:rPr lang="en-US" altLang="ko-KR" dirty="0" smtClean="0"/>
+              <a:t> Form </a:t>
+            </a:r>
+            <a:r>
+              <a:rPr lang="en-US" altLang="ko-KR" dirty="0" err="1" smtClean="0"/>
+              <a:t>form</a:t>
+            </a:r>
+            <a:r>
+              <a:rPr lang="ko-KR" altLang="en-US" dirty="0" smtClean="0"/>
+              <a:t>태그 안의 내용들을 </a:t>
+            </a:r>
+            <a:r>
+              <a:rPr lang="en-US" altLang="ko-KR" dirty="0" smtClean="0"/>
+              <a:t>action </a:t>
+            </a:r>
+            <a:r>
+              <a:rPr lang="ko-KR" altLang="en-US" dirty="0" smtClean="0"/>
+              <a:t>경로로 보낼 수 있다</a:t>
+            </a:r>
+            <a:r>
+              <a:rPr lang="en-US" altLang="ko-KR" dirty="0" smtClean="0"/>
+              <a:t>.(</a:t>
+            </a:r>
+            <a:r>
+              <a:rPr lang="ko-KR" altLang="en-US" dirty="0" smtClean="0"/>
+              <a:t>보내는 버튼은 </a:t>
+            </a:r>
+            <a:r>
+              <a:rPr lang="en-US" altLang="ko-KR" dirty="0" smtClean="0"/>
+              <a:t>input type=“submit”</a:t>
+            </a:r>
+            <a:r>
+              <a:rPr lang="ko-KR" altLang="en-US" dirty="0" smtClean="0"/>
+              <a:t>이다</a:t>
+            </a:r>
+            <a:r>
+              <a:rPr lang="en-US" altLang="ko-KR" dirty="0" smtClean="0"/>
+              <a:t>.</a:t>
+            </a:r>
+          </a:p>
+          <a:p>
+            <a:pPr>
+              <a:lnSpc>
+                <a:spcPct val="150000"/>
+              </a:lnSpc>
+              <a:buFont typeface="Arial" pitchFamily="34" charset="0"/>
+              <a:buChar char="•"/>
+            </a:pPr>
+            <a:r>
+              <a:rPr lang="en-US" altLang="ko-KR" dirty="0" smtClean="0"/>
+              <a:t> Input </a:t>
+            </a:r>
+            <a:r>
+              <a:rPr lang="ko-KR" altLang="en-US" dirty="0" smtClean="0"/>
+              <a:t>태그 안에 </a:t>
+            </a:r>
+            <a:r>
+              <a:rPr lang="en-US" altLang="ko-KR" dirty="0" smtClean="0"/>
+              <a:t>required</a:t>
+            </a:r>
+            <a:r>
+              <a:rPr lang="ko-KR" altLang="en-US" dirty="0" smtClean="0"/>
+              <a:t>를 작성하면 필수 작성이라는 의미이다</a:t>
+            </a:r>
+            <a:r>
+              <a:rPr lang="en-US" altLang="ko-KR" dirty="0" smtClean="0"/>
+              <a:t>.</a:t>
+            </a:r>
+          </a:p>
+          <a:p>
+            <a:pPr>
+              <a:lnSpc>
+                <a:spcPct val="150000"/>
+              </a:lnSpc>
+              <a:buFont typeface="Arial" pitchFamily="34" charset="0"/>
+              <a:buChar char="•"/>
+            </a:pPr>
+            <a:r>
+              <a:rPr lang="en-US" altLang="ko-KR" dirty="0" smtClean="0"/>
+              <a:t> &lt;a </a:t>
+            </a:r>
+            <a:r>
+              <a:rPr lang="en-US" altLang="ko-KR" dirty="0" err="1" smtClean="0"/>
+              <a:t>href</a:t>
+            </a:r>
+            <a:r>
+              <a:rPr lang="en-US" altLang="ko-KR" dirty="0" smtClean="0"/>
+              <a:t>=“</a:t>
+            </a:r>
+            <a:r>
+              <a:rPr lang="ko-KR" altLang="en-US" dirty="0" smtClean="0"/>
+              <a:t>사이트 주소</a:t>
+            </a:r>
+            <a:r>
+              <a:rPr lang="en-US" altLang="ko-KR" dirty="0" smtClean="0"/>
+              <a:t>”&gt; </a:t>
+            </a:r>
+            <a:r>
+              <a:rPr lang="ko-KR" altLang="en-US" dirty="0" smtClean="0"/>
+              <a:t>를 이용하여 클릭 시 해당 주소로 이동한다</a:t>
+            </a:r>
+            <a:r>
+              <a:rPr lang="en-US" altLang="ko-KR" dirty="0" smtClean="0"/>
+              <a:t>.</a:t>
+            </a:r>
+          </a:p>
+          <a:p>
+            <a:pPr>
+              <a:lnSpc>
+                <a:spcPct val="150000"/>
+              </a:lnSpc>
+              <a:buFont typeface="Arial" pitchFamily="34" charset="0"/>
+              <a:buChar char="•"/>
+            </a:pPr>
+            <a:r>
+              <a:rPr lang="en-US" altLang="ko-KR" dirty="0" smtClean="0"/>
+              <a:t> A</a:t>
+            </a:r>
+            <a:r>
+              <a:rPr lang="ko-KR" altLang="en-US" dirty="0" smtClean="0"/>
+              <a:t>태그 안에 </a:t>
+            </a:r>
+            <a:r>
+              <a:rPr lang="en-US" altLang="ko-KR" dirty="0" err="1" smtClean="0"/>
+              <a:t>traget</a:t>
+            </a:r>
+            <a:r>
+              <a:rPr lang="en-US" altLang="ko-KR" dirty="0" smtClean="0"/>
+              <a:t>=“_blank”</a:t>
+            </a:r>
+            <a:r>
+              <a:rPr lang="ko-KR" altLang="en-US" dirty="0" smtClean="0"/>
+              <a:t>를 작성 시 </a:t>
+            </a:r>
+            <a:r>
+              <a:rPr lang="en-US" altLang="ko-KR" dirty="0" smtClean="0"/>
+              <a:t>, </a:t>
+            </a:r>
+            <a:r>
+              <a:rPr lang="ko-KR" altLang="en-US" dirty="0" smtClean="0"/>
+              <a:t>눌렀을 때 </a:t>
+            </a:r>
+            <a:r>
+              <a:rPr lang="ko-KR" altLang="en-US" dirty="0" err="1" smtClean="0"/>
+              <a:t>새창을</a:t>
+            </a:r>
+            <a:r>
+              <a:rPr lang="ko-KR" altLang="en-US" dirty="0" smtClean="0"/>
+              <a:t> 띄운다</a:t>
+            </a:r>
+            <a:r>
+              <a:rPr lang="en-US" altLang="ko-KR" dirty="0" smtClean="0"/>
+              <a:t>.</a:t>
+            </a:r>
+          </a:p>
+          <a:p>
+            <a:endParaRPr lang="en-US" altLang="ko-KR" dirty="0" smtClean="0"/>
+          </a:p>
+        </p:txBody>
+      </p:sp>
+      <p:sp>
+        <p:nvSpPr>
+          <p:cNvPr id="5" name="모서리가 둥근 직사각형 4"/>
+          <p:cNvSpPr/>
+          <p:nvPr/>
+        </p:nvSpPr>
+        <p:spPr>
+          <a:xfrm>
+            <a:off x="0" y="0"/>
+            <a:ext cx="12192000" cy="483326"/>
+          </a:xfrm>
+          <a:prstGeom prst="roundRect">
+            <a:avLst/>
+          </a:prstGeom>
+          <a:solidFill>
+            <a:schemeClr val="accent3">
+              <a:lumMod val="20000"/>
+              <a:lumOff val="80000"/>
+            </a:schemeClr>
+          </a:solidFill>
+          <a:ln>
+            <a:solidFill>
+              <a:schemeClr val="bg1"/>
+            </a:solidFill>
+          </a:ln>
+        </p:spPr>
+        <p:style>
+          <a:lnRef idx="2">
+            <a:schemeClr val="accent1">
+              <a:shade val="50000"/>
+            </a:schemeClr>
+          </a:lnRef>
+          <a:fillRef idx="1">
+            <a:schemeClr val="accent1"/>
+          </a:fillRef>
+          <a:effectRef idx="0">
+            <a:schemeClr val="accent1"/>
+          </a:effectRef>
+          <a:fontRef idx="minor">
+            <a:schemeClr val="lt1"/>
+          </a:fontRef>
+        </p:style>
+        <p:txBody>
+          <a:bodyPr rtlCol="0" anchor="ctr"/>
+          <a:lstStyle/>
+          <a:p>
+            <a:pPr algn="ctr"/>
+            <a:r>
+              <a:rPr lang="en-US" altLang="ko-KR" sz="2000" b="1" dirty="0" smtClean="0">
+                <a:solidFill>
+                  <a:sysClr val="windowText" lastClr="000000"/>
+                </a:solidFill>
+              </a:rPr>
+              <a:t>TAG </a:t>
+            </a:r>
+            <a:r>
+              <a:rPr lang="ko-KR" altLang="en-US" sz="2000" b="1" dirty="0" smtClean="0">
+                <a:solidFill>
+                  <a:sysClr val="windowText" lastClr="000000"/>
+                </a:solidFill>
+              </a:rPr>
+              <a:t>정리</a:t>
+            </a:r>
+            <a:endParaRPr lang="ko-KR" altLang="en-US" sz="2000" b="1" dirty="0">
+              <a:solidFill>
+                <a:sysClr val="windowText" lastClr="000000"/>
+              </a:solidFill>
+            </a:endParaRPr>
+          </a:p>
+        </p:txBody>
+      </p:sp>
+    </p:spTree>
+  </p:cSld>
+  <p:clrMapOvr>
+    <a:masterClrMapping/>
+  </p:clrMapOvr>
+</p:sld>
+</file>
+
+<file path=ppt/slides/slide12.xml><?xml version="1.0" encoding="utf-8"?>
+<p:sld xmlns:a="http://schemas.openxmlformats.org/drawingml/2006/main" xmlns:r="http://schemas.openxmlformats.org/officeDocument/2006/relationships" xmlns:p="http://schemas.openxmlformats.org/presentationml/2006/main">
+  <p:cSld>
+    <p:spTree>
+      <p:nvGrpSpPr>
+        <p:cNvPr id="1" name=""/>
+        <p:cNvGrpSpPr/>
+        <p:nvPr/>
+      </p:nvGrpSpPr>
+      <p:grpSpPr>
+        <a:xfrm>
+          <a:off x="0" y="0"/>
+          <a:ext cx="0" cy="0"/>
+          <a:chOff x="0" y="0"/>
+          <a:chExt cx="0" cy="0"/>
+        </a:xfrm>
+      </p:grpSpPr>
+      <p:pic>
+        <p:nvPicPr>
+          <p:cNvPr id="4" name="그림 3"/>
+          <p:cNvPicPr>
+            <a:picLocks noChangeAspect="1"/>
+          </p:cNvPicPr>
+          <p:nvPr/>
+        </p:nvPicPr>
+        <p:blipFill>
+          <a:blip r:embed="rId2"/>
+          <a:stretch>
+            <a:fillRect/>
+          </a:stretch>
+        </p:blipFill>
+        <p:spPr>
+          <a:xfrm>
+            <a:off x="6655970" y="1018674"/>
+            <a:ext cx="5158093" cy="4481512"/>
+          </a:xfrm>
+          <a:prstGeom prst="rect">
+            <a:avLst/>
+          </a:prstGeom>
+        </p:spPr>
+      </p:pic>
+      <p:pic>
+        <p:nvPicPr>
+          <p:cNvPr id="5" name="그림 4"/>
+          <p:cNvPicPr>
+            <a:picLocks noChangeAspect="1"/>
+          </p:cNvPicPr>
+          <p:nvPr/>
+        </p:nvPicPr>
+        <p:blipFill>
+          <a:blip r:embed="rId3"/>
+          <a:stretch>
+            <a:fillRect/>
+          </a:stretch>
+        </p:blipFill>
+        <p:spPr>
+          <a:xfrm>
+            <a:off x="264946" y="1018674"/>
+            <a:ext cx="5742824" cy="4651331"/>
+          </a:xfrm>
+          <a:prstGeom prst="rect">
+            <a:avLst/>
+          </a:prstGeom>
+        </p:spPr>
+      </p:pic>
+    </p:spTree>
+    <p:extLst>
+      <p:ext uri="{BB962C8B-B14F-4D97-AF65-F5344CB8AC3E}">
+        <p14:creationId xmlns:p14="http://schemas.microsoft.com/office/powerpoint/2010/main" val="3091714598"/>
+      </p:ext>
+    </p:extLst>
+  </p:cSld>
+  <p:clrMapOvr>
+    <a:masterClrMapping/>
+  </p:clrMapOvr>
+</p:sld>
+</file>
+
+<file path=ppt/slides/slide13.xml><?xml version="1.0" encoding="utf-8"?>
+<p:sld xmlns:a="http://schemas.openxmlformats.org/drawingml/2006/main" xmlns:r="http://schemas.openxmlformats.org/officeDocument/2006/relationships" xmlns:p="http://schemas.openxmlformats.org/presentationml/2006/main">
+  <p:cSld>
+    <p:spTree>
+      <p:nvGrpSpPr>
+        <p:cNvPr id="1" name=""/>
+        <p:cNvGrpSpPr/>
+        <p:nvPr/>
+      </p:nvGrpSpPr>
+      <p:grpSpPr>
+        <a:xfrm>
+          <a:off x="0" y="0"/>
+          <a:ext cx="0" cy="0"/>
+          <a:chOff x="0" y="0"/>
+          <a:chExt cx="0" cy="0"/>
+        </a:xfrm>
+      </p:grpSpPr>
+      <p:pic>
+        <p:nvPicPr>
+          <p:cNvPr id="4" name="그림 3"/>
+          <p:cNvPicPr>
+            <a:picLocks noChangeAspect="1"/>
+          </p:cNvPicPr>
+          <p:nvPr/>
+        </p:nvPicPr>
+        <p:blipFill>
+          <a:blip r:embed="rId2"/>
+          <a:stretch>
+            <a:fillRect/>
+          </a:stretch>
+        </p:blipFill>
+        <p:spPr>
+          <a:xfrm>
+            <a:off x="6511339" y="607094"/>
+            <a:ext cx="5644399" cy="4945780"/>
+          </a:xfrm>
+          <a:prstGeom prst="rect">
+            <a:avLst/>
+          </a:prstGeom>
+        </p:spPr>
+      </p:pic>
+      <p:pic>
+        <p:nvPicPr>
+          <p:cNvPr id="5" name="그림 4"/>
+          <p:cNvPicPr>
+            <a:picLocks noChangeAspect="1"/>
+          </p:cNvPicPr>
+          <p:nvPr/>
+        </p:nvPicPr>
+        <p:blipFill>
+          <a:blip r:embed="rId3"/>
+          <a:stretch>
+            <a:fillRect/>
+          </a:stretch>
+        </p:blipFill>
+        <p:spPr>
+          <a:xfrm>
+            <a:off x="308058" y="607094"/>
+            <a:ext cx="5595437" cy="4945780"/>
+          </a:xfrm>
+          <a:prstGeom prst="rect">
+            <a:avLst/>
+          </a:prstGeom>
+        </p:spPr>
+      </p:pic>
+    </p:spTree>
+    <p:extLst>
+      <p:ext uri="{BB962C8B-B14F-4D97-AF65-F5344CB8AC3E}">
+        <p14:creationId xmlns:p14="http://schemas.microsoft.com/office/powerpoint/2010/main" val="4140840286"/>
+      </p:ext>
+    </p:extLst>
+  </p:cSld>
+  <p:clrMapOvr>
+    <a:masterClrMapping/>
+  </p:clrMapOvr>
+</p:sld>
+</file>
+
+<file path=ppt/slides/slide14.xml><?xml version="1.0" encoding="utf-8"?>
+<p:sld xmlns:a="http://schemas.openxmlformats.org/drawingml/2006/main" xmlns:r="http://schemas.openxmlformats.org/officeDocument/2006/relationships" xmlns:p="http://schemas.openxmlformats.org/presentationml/2006/main">
+  <p:cSld>
+    <p:spTree>
+      <p:nvGrpSpPr>
+        <p:cNvPr id="1" name=""/>
+        <p:cNvGrpSpPr/>
+        <p:nvPr/>
+      </p:nvGrpSpPr>
+      <p:grpSpPr>
+        <a:xfrm>
+          <a:off x="0" y="0"/>
+          <a:ext cx="0" cy="0"/>
+          <a:chOff x="0" y="0"/>
+          <a:chExt cx="0" cy="0"/>
+        </a:xfrm>
+      </p:grpSpPr>
+      <p:pic>
+        <p:nvPicPr>
+          <p:cNvPr id="4" name="그림 3"/>
+          <p:cNvPicPr>
+            <a:picLocks noChangeAspect="1"/>
+          </p:cNvPicPr>
+          <p:nvPr/>
+        </p:nvPicPr>
+        <p:blipFill>
+          <a:blip r:embed="rId2"/>
+          <a:stretch>
+            <a:fillRect/>
+          </a:stretch>
+        </p:blipFill>
+        <p:spPr>
+          <a:xfrm>
+            <a:off x="6791326" y="312820"/>
+            <a:ext cx="5197530" cy="5221705"/>
+          </a:xfrm>
+          <a:prstGeom prst="rect">
+            <a:avLst/>
+          </a:prstGeom>
+        </p:spPr>
+      </p:pic>
+      <p:pic>
+        <p:nvPicPr>
+          <p:cNvPr id="5" name="그림 4"/>
+          <p:cNvPicPr>
+            <a:picLocks noChangeAspect="1"/>
+          </p:cNvPicPr>
+          <p:nvPr/>
+        </p:nvPicPr>
+        <p:blipFill>
+          <a:blip r:embed="rId3"/>
+          <a:stretch>
+            <a:fillRect/>
+          </a:stretch>
+        </p:blipFill>
+        <p:spPr>
+          <a:xfrm>
+            <a:off x="195763" y="312821"/>
+            <a:ext cx="6410325" cy="5695950"/>
+          </a:xfrm>
+          <a:prstGeom prst="rect">
+            <a:avLst/>
+          </a:prstGeom>
+        </p:spPr>
+      </p:pic>
+    </p:spTree>
+    <p:extLst>
+      <p:ext uri="{BB962C8B-B14F-4D97-AF65-F5344CB8AC3E}">
+        <p14:creationId xmlns:p14="http://schemas.microsoft.com/office/powerpoint/2010/main" val="2760268233"/>
+      </p:ext>
+    </p:extLst>
+  </p:cSld>
+  <p:clrMapOvr>
+    <a:masterClrMapping/>
+  </p:clrMapOvr>
+</p:sld>
+</file>
+
+<file path=ppt/slides/slide15.xml><?xml version="1.0" encoding="utf-8"?>
+<p:sld xmlns:a="http://schemas.openxmlformats.org/drawingml/2006/main" xmlns:r="http://schemas.openxmlformats.org/officeDocument/2006/relationships" xmlns:p="http://schemas.openxmlformats.org/presentationml/2006/main">
+  <p:cSld>
+    <p:spTree>
+      <p:nvGrpSpPr>
+        <p:cNvPr id="1" name=""/>
+        <p:cNvGrpSpPr/>
+        <p:nvPr/>
+      </p:nvGrpSpPr>
+      <p:grpSpPr>
+        <a:xfrm>
+          <a:off x="0" y="0"/>
+          <a:ext cx="0" cy="0"/>
+          <a:chOff x="0" y="0"/>
+          <a:chExt cx="0" cy="0"/>
+        </a:xfrm>
+      </p:grpSpPr>
+      <p:pic>
+        <p:nvPicPr>
+          <p:cNvPr id="4" name="그림 3"/>
+          <p:cNvPicPr>
+            <a:picLocks noChangeAspect="1"/>
+          </p:cNvPicPr>
+          <p:nvPr/>
+        </p:nvPicPr>
+        <p:blipFill>
+          <a:blip r:embed="rId2"/>
+          <a:stretch>
+            <a:fillRect/>
+          </a:stretch>
+        </p:blipFill>
+        <p:spPr>
+          <a:xfrm>
+            <a:off x="6798845" y="285497"/>
+            <a:ext cx="5219700" cy="5019675"/>
+          </a:xfrm>
+          <a:prstGeom prst="rect">
+            <a:avLst/>
+          </a:prstGeom>
+        </p:spPr>
+      </p:pic>
+      <p:pic>
+        <p:nvPicPr>
+          <p:cNvPr id="5" name="그림 4"/>
+          <p:cNvPicPr>
+            <a:picLocks noChangeAspect="1"/>
+          </p:cNvPicPr>
+          <p:nvPr/>
+        </p:nvPicPr>
+        <p:blipFill>
+          <a:blip r:embed="rId3"/>
+          <a:stretch>
+            <a:fillRect/>
+          </a:stretch>
+        </p:blipFill>
+        <p:spPr>
+          <a:xfrm>
+            <a:off x="179471" y="285497"/>
+            <a:ext cx="6408225" cy="5537421"/>
+          </a:xfrm>
+          <a:prstGeom prst="rect">
+            <a:avLst/>
+          </a:prstGeom>
+        </p:spPr>
+      </p:pic>
+    </p:spTree>
+    <p:extLst>
+      <p:ext uri="{BB962C8B-B14F-4D97-AF65-F5344CB8AC3E}">
+        <p14:creationId xmlns:p14="http://schemas.microsoft.com/office/powerpoint/2010/main" val="4100117810"/>
+      </p:ext>
+    </p:extLst>
+  </p:cSld>
+  <p:clrMapOvr>
+    <a:masterClrMapping/>
+  </p:clrMapOvr>
+</p:sld>
+</file>
+
 <file path=ppt/slides/slide2.xml><?xml version="1.0" encoding="utf-8"?>
 <p:sld xmlns:a="http://schemas.openxmlformats.org/drawingml/2006/main" xmlns:r="http://schemas.openxmlformats.org/officeDocument/2006/relationships" xmlns:p="http://schemas.openxmlformats.org/presentationml/2006/main">
   <p:cSld>
@@ -3370,7 +4293,7 @@
         <p:spPr>
           <a:xfrm>
             <a:off x="1594624" y="613317"/>
-            <a:ext cx="9422781" cy="5016758"/>
+            <a:ext cx="9422781" cy="6247864"/>
           </a:xfrm>
           <a:prstGeom prst="rect">
             <a:avLst/>
@@ -3390,14 +4313,14 @@
               <a:buAutoNum type="arabicPeriod"/>
             </a:pPr>
             <a:r>
-              <a:rPr lang="en-US" altLang="ko-KR" sz="2000" b="1" smtClean="0"/>
+              <a:rPr lang="en-US" altLang="ko-KR" sz="2000" b="1" dirty="0" smtClean="0"/>
               <a:t>VS CODE </a:t>
             </a:r>
             <a:r>
-              <a:rPr lang="ko-KR" altLang="en-US" sz="2000" b="1" smtClean="0"/>
+              <a:rPr lang="ko-KR" altLang="en-US" sz="2000" b="1" dirty="0" smtClean="0"/>
               <a:t>설치</a:t>
             </a:r>
-            <a:endParaRPr lang="en-US" altLang="ko-KR" sz="2000" b="1" smtClean="0"/>
+            <a:endParaRPr lang="en-US" altLang="ko-KR" sz="2000" b="1" dirty="0" smtClean="0"/>
           </a:p>
           <a:p>
             <a:pPr marL="342900" indent="-342900">
@@ -3407,22 +4330,30 @@
               <a:buAutoNum type="arabicPeriod"/>
             </a:pPr>
             <a:r>
-              <a:rPr lang="en-US" altLang="ko-KR" sz="2000" b="1" smtClean="0"/>
-              <a:t>VS CODE_One Dark Pro (</a:t>
-            </a:r>
-            <a:r>
-              <a:rPr lang="ko-KR" altLang="en-US" sz="2000" b="1" smtClean="0"/>
+              <a:rPr lang="en-US" altLang="ko-KR" sz="2000" b="1" dirty="0" smtClean="0"/>
+              <a:t>VS </a:t>
+            </a:r>
+            <a:r>
+              <a:rPr lang="en-US" altLang="ko-KR" sz="2000" b="1" dirty="0" err="1" smtClean="0"/>
+              <a:t>CODE_One</a:t>
+            </a:r>
+            <a:r>
+              <a:rPr lang="en-US" altLang="ko-KR" sz="2000" b="1" dirty="0" smtClean="0"/>
+              <a:t> Dark Pro (</a:t>
+            </a:r>
+            <a:r>
+              <a:rPr lang="ko-KR" altLang="en-US" sz="2000" b="1" dirty="0" smtClean="0"/>
               <a:t>테마</a:t>
             </a:r>
             <a:r>
-              <a:rPr lang="en-US" altLang="ko-KR" sz="2000" b="1" smtClean="0"/>
+              <a:rPr lang="en-US" altLang="ko-KR" sz="2000" b="1" dirty="0" smtClean="0"/>
               <a:t>) </a:t>
             </a:r>
             <a:r>
-              <a:rPr lang="ko-KR" altLang="en-US" sz="2000" b="1" smtClean="0"/>
+              <a:rPr lang="ko-KR" altLang="en-US" sz="2000" b="1" dirty="0" smtClean="0"/>
               <a:t>설치</a:t>
             </a:r>
-            <a:endParaRPr lang="en-US" altLang="ko-KR" sz="2000" b="1" smtClean="0"/>
+            <a:endParaRPr lang="en-US" altLang="ko-KR" sz="2000" b="1" dirty="0" smtClean="0"/>
           </a:p>
           <a:p>
             <a:pPr marL="342900" indent="-342900">
@@ -3432,18 +4363,22 @@
               <a:buAutoNum type="arabicPeriod"/>
             </a:pPr>
             <a:r>
-              <a:rPr lang="en-US" altLang="ko-KR" sz="2000" b="1" smtClean="0"/>
-              <a:t>VS CODE_</a:t>
-            </a:r>
-            <a:r>
-              <a:rPr lang="en-US" altLang="ko-KR" sz="2000" b="1" smtClean="0"/>
-              <a:t>Live Server </a:t>
-            </a:r>
-            <a:r>
-              <a:rPr lang="ko-KR" altLang="en-US" sz="2000" b="1" smtClean="0"/>
+              <a:rPr lang="en-US" altLang="ko-KR" sz="2000" b="1" dirty="0" smtClean="0"/>
+              <a:t>VS </a:t>
+            </a:r>
+            <a:r>
+              <a:rPr lang="en-US" altLang="ko-KR" sz="2000" b="1" dirty="0" err="1" smtClean="0"/>
+              <a:t>CODE_Live</a:t>
+            </a:r>
+            <a:r>
+              <a:rPr lang="en-US" altLang="ko-KR" sz="2000" b="1" dirty="0" smtClean="0"/>
+              <a:t> Server </a:t>
+            </a:r>
+            <a:r>
+              <a:rPr lang="ko-KR" altLang="en-US" sz="2000" b="1" dirty="0" smtClean="0"/>
               <a:t>설치</a:t>
             </a:r>
-            <a:endParaRPr lang="en-US" altLang="ko-KR" sz="2000" b="1" smtClean="0"/>
+            <a:endParaRPr lang="en-US" altLang="ko-KR" sz="2000" b="1" dirty="0" smtClean="0"/>
           </a:p>
           <a:p>
             <a:pPr marL="342900" indent="-342900">
@@ -3453,18 +4388,22 @@
               <a:buAutoNum type="arabicPeriod"/>
             </a:pPr>
             <a:r>
-              <a:rPr lang="en-US" altLang="ko-KR" sz="2000" b="1" smtClean="0"/>
-              <a:t>VS CODE_</a:t>
-            </a:r>
-            <a:r>
-              <a:rPr lang="en-US" altLang="ko-KR" sz="2000" b="1" smtClean="0"/>
-              <a:t>MySQL </a:t>
-            </a:r>
-            <a:r>
-              <a:rPr lang="ko-KR" altLang="en-US" sz="2000" b="1" smtClean="0"/>
+              <a:rPr lang="en-US" altLang="ko-KR" sz="2000" b="1" dirty="0" smtClean="0"/>
+              <a:t>VS </a:t>
+            </a:r>
+            <a:r>
+              <a:rPr lang="en-US" altLang="ko-KR" sz="2000" b="1" dirty="0" err="1" smtClean="0"/>
+              <a:t>CODE_MySQL</a:t>
+            </a:r>
+            <a:r>
+              <a:rPr lang="en-US" altLang="ko-KR" sz="2000" b="1" dirty="0" smtClean="0"/>
+              <a:t> </a:t>
+            </a:r>
+            <a:r>
+              <a:rPr lang="ko-KR" altLang="en-US" sz="2000" b="1" dirty="0" smtClean="0"/>
               <a:t>설치</a:t>
             </a:r>
-            <a:endParaRPr lang="en-US" altLang="ko-KR" sz="2000" b="1" smtClean="0"/>
+            <a:endParaRPr lang="en-US" altLang="ko-KR" sz="2000" b="1" dirty="0" smtClean="0"/>
           </a:p>
           <a:p>
             <a:pPr marL="342900" indent="-342900">
@@ -3474,14 +4413,22 @@
               <a:buAutoNum type="arabicPeriod"/>
             </a:pPr>
             <a:r>
-              <a:rPr lang="en-US" altLang="ko-KR" sz="2000" b="1" smtClean="0"/>
-              <a:t>VS CODE_Git History </a:t>
-            </a:r>
-            <a:r>
-              <a:rPr lang="ko-KR" altLang="en-US" sz="2000" b="1" smtClean="0"/>
+              <a:rPr lang="en-US" altLang="ko-KR" sz="2000" b="1" dirty="0" smtClean="0"/>
+              <a:t>VS </a:t>
+            </a:r>
+            <a:r>
+              <a:rPr lang="en-US" altLang="ko-KR" sz="2000" b="1" dirty="0" err="1" smtClean="0"/>
+              <a:t>CODE_Git</a:t>
+            </a:r>
+            <a:r>
+              <a:rPr lang="en-US" altLang="ko-KR" sz="2000" b="1" dirty="0" smtClean="0"/>
+              <a:t> History </a:t>
+            </a:r>
+            <a:r>
+              <a:rPr lang="ko-KR" altLang="en-US" sz="2000" b="1" dirty="0" smtClean="0"/>
               <a:t>설치</a:t>
             </a:r>
-            <a:endParaRPr lang="en-US" altLang="ko-KR" sz="2000" b="1" smtClean="0"/>
+            <a:endParaRPr lang="en-US" altLang="ko-KR" sz="2000" b="1" dirty="0" smtClean="0"/>
           </a:p>
           <a:p>
             <a:pPr marL="342900" indent="-342900">
@@ -3491,14 +4438,18 @@
               <a:buAutoNum type="arabicPeriod"/>
             </a:pPr>
             <a:r>
-              <a:rPr lang="en-US" altLang="ko-KR" sz="2000" b="1" smtClean="0"/>
-              <a:t>Git </a:t>
-            </a:r>
-            <a:r>
-              <a:rPr lang="ko-KR" altLang="en-US" sz="2000" b="1" smtClean="0"/>
+              <a:rPr lang="en-US" altLang="ko-KR" sz="2000" b="1" dirty="0" err="1" smtClean="0"/>
+              <a:t>Git</a:t>
+            </a:r>
+            <a:r>
+              <a:rPr lang="en-US" altLang="ko-KR" sz="2000" b="1" dirty="0" smtClean="0"/>
+              <a:t> </a:t>
+            </a:r>
+            <a:r>
+              <a:rPr lang="ko-KR" altLang="en-US" sz="2000" b="1" dirty="0" smtClean="0"/>
               <a:t>터미널 에러 및 해결</a:t>
             </a:r>
-            <a:endParaRPr lang="en-US" altLang="ko-KR" sz="2000" b="1" smtClean="0"/>
+            <a:endParaRPr lang="en-US" altLang="ko-KR" sz="2000" b="1" dirty="0" smtClean="0"/>
           </a:p>
           <a:p>
             <a:pPr marL="342900" indent="-342900">
@@ -3508,14 +4459,18 @@
               <a:buAutoNum type="arabicPeriod"/>
             </a:pPr>
             <a:r>
-              <a:rPr lang="en-US" altLang="ko-KR" sz="2000" b="1" smtClean="0"/>
-              <a:t>Git </a:t>
-            </a:r>
-            <a:r>
-              <a:rPr lang="ko-KR" altLang="en-US" sz="2000" b="1" smtClean="0"/>
+              <a:rPr lang="en-US" altLang="ko-KR" sz="2000" b="1" dirty="0" err="1" smtClean="0"/>
+              <a:t>Git</a:t>
+            </a:r>
+            <a:r>
+              <a:rPr lang="en-US" altLang="ko-KR" sz="2000" b="1" dirty="0" smtClean="0"/>
+              <a:t> </a:t>
+            </a:r>
+            <a:r>
+              <a:rPr lang="ko-KR" altLang="en-US" sz="2000" b="1" dirty="0" smtClean="0"/>
               <a:t>초기 설정 명령어 및 자주 사용하는 명령어</a:t>
             </a:r>
-            <a:endParaRPr lang="en-US" altLang="ko-KR" sz="2000" b="1" smtClean="0"/>
+            <a:endParaRPr lang="en-US" altLang="ko-KR" sz="2000" b="1" dirty="0" smtClean="0"/>
           </a:p>
           <a:p>
             <a:pPr marL="342900" indent="-342900">
@@ -3524,7 +4479,37 @@
               </a:lnSpc>
               <a:buAutoNum type="arabicPeriod"/>
             </a:pPr>
-            <a:endParaRPr lang="ko-KR" altLang="en-US" sz="2000" b="1"/>
+            <a:r>
+              <a:rPr lang="en-US" altLang="ko-KR" sz="2000" b="1" smtClean="0"/>
+              <a:t>TAG </a:t>
+            </a:r>
+            <a:r>
+              <a:rPr lang="ko-KR" altLang="en-US" sz="2000" b="1" smtClean="0"/>
+              <a:t>정리</a:t>
+            </a:r>
+            <a:endParaRPr lang="en-US" altLang="ko-KR" sz="2000" b="1" smtClean="0"/>
+          </a:p>
+          <a:p>
+            <a:pPr marL="342900" indent="-342900">
+              <a:lnSpc>
+                <a:spcPct val="200000"/>
+              </a:lnSpc>
+              <a:buAutoNum type="arabicPeriod"/>
+            </a:pPr>
+            <a:r>
+              <a:rPr lang="ko-KR" altLang="en-US" sz="2000" b="1" smtClean="0"/>
+              <a:t>실습</a:t>
+            </a:r>
+            <a:endParaRPr lang="en-US" altLang="ko-KR" sz="2000" b="1" dirty="0" smtClean="0"/>
+          </a:p>
+          <a:p>
+            <a:pPr marL="342900" indent="-342900">
+              <a:lnSpc>
+                <a:spcPct val="200000"/>
+              </a:lnSpc>
+              <a:buAutoNum type="arabicPeriod"/>
+            </a:pPr>
+            <a:endParaRPr lang="ko-KR" altLang="en-US" sz="2000" b="1" dirty="0"/>
           </a:p>
         </p:txBody>
       </p:sp>
@@ -4978,7 +5963,7 @@
     </a:clrScheme>
     <a:fontScheme name="Office">
       <a:majorFont>
-        <a:latin typeface="맑은 고딕" panose="020F0302020204030204"/>
+        <a:latin typeface="맑은 고딕"/>
         <a:ea typeface=""/>
         <a:cs typeface=""/>
         <a:font script="Jpan" typeface="ＭＳ Ｐゴシック"/>
@@ -5013,7 +5998,7 @@
         <a:font script="Geor" typeface="Sylfaen"/>
       </a:majorFont>
       <a:minorFont>
-        <a:latin typeface="맑은 고딕" panose="020F0502020204030204"/>
+        <a:latin typeface="맑은 고딕"/>
         <a:ea typeface=""/>
         <a:cs typeface=""/>
         <a:font script="Jpan" typeface="ＭＳ Ｐゴシック"/>

--- a/HTML,CSS_DAY1/강의 정리_(vsCode세팅_Git세팅).pptx
+++ b/HTML,CSS_DAY1/강의 정리_(vsCode세팅_Git세팅).pptx
@@ -3035,12 +3035,29 @@
           </a:xfrm>
         </p:spPr>
         <p:txBody>
-          <a:bodyPr/>
-          <a:lstStyle/>
-          <a:p>
-            <a:r>
-              <a:rPr lang="ko-KR" altLang="en-US" smtClean="0"/>
-              <a:t>강의 정리</a:t>
+          <a:bodyPr>
+            <a:normAutofit fontScale="90000"/>
+          </a:bodyPr>
+          <a:lstStyle/>
+          <a:p>
+            <a:r>
+              <a:rPr lang="ko-KR" altLang="en-US" smtClean="0"/>
+              <a:t>강의 </a:t>
+            </a:r>
+            <a:r>
+              <a:rPr lang="ko-KR" altLang="en-US" smtClean="0"/>
+              <a:t>정리</a:t>
+            </a:r>
+            <a:r>
+              <a:rPr lang="en-US" altLang="ko-KR" smtClean="0"/>
+              <a:t/>
+            </a:r>
+            <a:br>
+              <a:rPr lang="en-US" altLang="ko-KR" smtClean="0"/>
+            </a:br>
+            <a:r>
+              <a:rPr lang="en-US" altLang="ko-KR" smtClean="0"/>
+              <a:t>05-27</a:t>
             </a:r>
             <a:endParaRPr lang="ko-KR" altLang="en-US"/>
           </a:p>

--- a/HTML,CSS_DAY1/강의 정리_(vsCode세팅_Git세팅).pptx
+++ b/HTML,CSS_DAY1/강의 정리_(vsCode세팅_Git세팅).pptx
@@ -3042,11 +3042,7 @@
           <a:p>
             <a:r>
               <a:rPr lang="ko-KR" altLang="en-US" smtClean="0"/>
-              <a:t>강의 </a:t>
-            </a:r>
-            <a:r>
-              <a:rPr lang="ko-KR" altLang="en-US" smtClean="0"/>
-              <a:t>정리</a:t>
+              <a:t>강의 정리</a:t>
             </a:r>
             <a:r>
               <a:rPr lang="en-US" altLang="ko-KR" smtClean="0"/>
@@ -3057,7 +3053,7 @@
             </a:br>
             <a:r>
               <a:rPr lang="en-US" altLang="ko-KR" smtClean="0"/>
-              <a:t>05-27</a:t>
+              <a:t>05-26</a:t>
             </a:r>
             <a:endParaRPr lang="ko-KR" altLang="en-US"/>
           </a:p>

--- a/HTML,CSS_DAY1/강의 정리_(vsCode세팅_Git세팅).pptx
+++ b/HTML,CSS_DAY1/강의 정리_(vsCode세팅_Git세팅).pptx
@@ -3478,31 +3478,23 @@
               <a:buChar char="•"/>
             </a:pPr>
             <a:r>
-              <a:rPr lang="en-US" altLang="ko-KR" dirty="0" smtClean="0">
+              <a:rPr lang="en-US" altLang="ko-KR" smtClean="0">
                 <a:solidFill>
                   <a:srgbClr val="FF0000"/>
                 </a:solidFill>
               </a:rPr>
-              <a:t> table&gt;</a:t>
-            </a:r>
-            <a:r>
-              <a:rPr lang="en-US" altLang="ko-KR" dirty="0" err="1" smtClean="0">
+              <a:t> </a:t>
+            </a:r>
+            <a:r>
+              <a:rPr lang="en-US" altLang="ko-KR" smtClean="0">
                 <a:solidFill>
                   <a:srgbClr val="FF0000"/>
                 </a:solidFill>
               </a:rPr>
-              <a:t>tr</a:t>
-            </a:r>
-            <a:r>
-              <a:rPr lang="en-US" altLang="ko-KR" dirty="0" smtClean="0">
-                <a:solidFill>
-                  <a:srgbClr val="FF0000"/>
-                </a:solidFill>
-              </a:rPr>
-              <a:t>*3&gt;td*2</a:t>
-            </a:r>
-            <a:r>
-              <a:rPr lang="en-US" altLang="ko-KR" dirty="0" smtClean="0"/>
+              <a:t>Emmet - table&gt;tr*3&gt;td*2</a:t>
+            </a:r>
+            <a:r>
+              <a:rPr lang="en-US" altLang="ko-KR" smtClean="0"/>
               <a:t> </a:t>
             </a:r>
             <a:r>
